--- a/Presentation4.pptx
+++ b/Presentation4.pptx
@@ -5,12 +5,13 @@
     <p:sldMasterId id="2147483840" r:id="rId1"/>
   </p:sldMasterIdLst>
   <p:notesMasterIdLst>
-    <p:notesMasterId r:id="rId5"/>
+    <p:notesMasterId r:id="rId6"/>
   </p:notesMasterIdLst>
   <p:sldIdLst>
     <p:sldId id="256" r:id="rId2"/>
     <p:sldId id="257" r:id="rId3"/>
-    <p:sldId id="258" r:id="rId4"/>
+    <p:sldId id="259" r:id="rId4"/>
+    <p:sldId id="258" r:id="rId5"/>
   </p:sldIdLst>
   <p:sldSz cx="12192000" cy="6858000"/>
   <p:notesSz cx="6858000" cy="9144000"/>
@@ -536,19 +537,28 @@
           <a:p>
             <a:r>
               <a:rPr lang="en-US" dirty="0"/>
-              <a:t>Magnitude is a </a:t>
-            </a:r>
-            <a:r>
-              <a:rPr lang="en-US"/>
-              <a:t>log scale </a:t>
-            </a:r>
-          </a:p>
-          <a:p>
-            <a:r>
-              <a:rPr lang="en-US"/>
+              <a:t>Magnitude is a log scale – from seismic waves </a:t>
+            </a:r>
+          </a:p>
+          <a:p>
+            <a:r>
+              <a:rPr lang="en-US" dirty="0"/>
+              <a:t>All data we talk </a:t>
+            </a:r>
+            <a:r>
+              <a:rPr lang="en-US" dirty="0" err="1"/>
+              <a:t>abou</a:t>
+            </a:r>
+            <a:r>
+              <a:rPr lang="en-US" dirty="0"/>
+              <a:t> tis from the last 30 days </a:t>
+            </a:r>
+          </a:p>
+          <a:p>
+            <a:r>
+              <a:rPr lang="en-US" dirty="0"/>
               <a:t> </a:t>
             </a:r>
-            <a:endParaRPr lang="en-US" dirty="0"/>
           </a:p>
         </p:txBody>
       </p:sp>
@@ -579,6 +589,90 @@
     <p:extLst>
       <p:ext uri="{BB962C8B-B14F-4D97-AF65-F5344CB8AC3E}">
         <p14:creationId xmlns:p14="http://schemas.microsoft.com/office/powerpoint/2010/main" val="3893922980"/>
+      </p:ext>
+    </p:extLst>
+  </p:cSld>
+  <p:clrMapOvr>
+    <a:masterClrMapping/>
+  </p:clrMapOvr>
+</p:notes>
+</file>
+
+<file path=ppt/notesSlides/notesSlide2.xml><?xml version="1.0" encoding="utf-8"?>
+<p:notes xmlns:a="http://schemas.openxmlformats.org/drawingml/2006/main" xmlns:r="http://schemas.openxmlformats.org/officeDocument/2006/relationships" xmlns:p="http://schemas.openxmlformats.org/presentationml/2006/main">
+  <p:cSld>
+    <p:spTree>
+      <p:nvGrpSpPr>
+        <p:cNvPr id="1" name=""/>
+        <p:cNvGrpSpPr/>
+        <p:nvPr/>
+      </p:nvGrpSpPr>
+      <p:grpSpPr>
+        <a:xfrm>
+          <a:off x="0" y="0"/>
+          <a:ext cx="0" cy="0"/>
+          <a:chOff x="0" y="0"/>
+          <a:chExt cx="0" cy="0"/>
+        </a:xfrm>
+      </p:grpSpPr>
+      <p:sp>
+        <p:nvSpPr>
+          <p:cNvPr id="2" name="Slide Image Placeholder 1"/>
+          <p:cNvSpPr>
+            <a:spLocks noGrp="1" noRot="1" noChangeAspect="1"/>
+          </p:cNvSpPr>
+          <p:nvPr>
+            <p:ph type="sldImg"/>
+          </p:nvPr>
+        </p:nvSpPr>
+        <p:spPr/>
+      </p:sp>
+      <p:sp>
+        <p:nvSpPr>
+          <p:cNvPr id="3" name="Notes Placeholder 2"/>
+          <p:cNvSpPr>
+            <a:spLocks noGrp="1"/>
+          </p:cNvSpPr>
+          <p:nvPr>
+            <p:ph type="body" idx="1"/>
+          </p:nvPr>
+        </p:nvSpPr>
+        <p:spPr/>
+        <p:txBody>
+          <a:bodyPr/>
+          <a:lstStyle/>
+          <a:p>
+            <a:endParaRPr lang="en-US" dirty="0"/>
+          </a:p>
+        </p:txBody>
+      </p:sp>
+      <p:sp>
+        <p:nvSpPr>
+          <p:cNvPr id="4" name="Slide Number Placeholder 3"/>
+          <p:cNvSpPr>
+            <a:spLocks noGrp="1"/>
+          </p:cNvSpPr>
+          <p:nvPr>
+            <p:ph type="sldNum" sz="quarter" idx="5"/>
+          </p:nvPr>
+        </p:nvSpPr>
+        <p:spPr/>
+        <p:txBody>
+          <a:bodyPr/>
+          <a:lstStyle/>
+          <a:p>
+            <a:fld id="{BFDA06AC-1348-A646-9ED5-5ADF855B5517}" type="slidenum">
+              <a:rPr lang="en-US" smtClean="0"/>
+              <a:t>3</a:t>
+            </a:fld>
+            <a:endParaRPr lang="en-US"/>
+          </a:p>
+        </p:txBody>
+      </p:sp>
+    </p:spTree>
+    <p:extLst>
+      <p:ext uri="{BB962C8B-B14F-4D97-AF65-F5344CB8AC3E}">
+        <p14:creationId xmlns:p14="http://schemas.microsoft.com/office/powerpoint/2010/main" val="2553203458"/>
       </p:ext>
     </p:extLst>
   </p:cSld>
@@ -5615,10 +5709,10 @@
       </p:grpSpPr>
       <p:sp useBgFill="1">
         <p:nvSpPr>
-          <p:cNvPr id="8" name="Rectangle 7">
+          <p:cNvPr id="52" name="Rectangle 42">
             <a:extLst>
               <a:ext uri="{FF2B5EF4-FFF2-40B4-BE49-F238E27FC236}">
-                <a16:creationId xmlns:a16="http://schemas.microsoft.com/office/drawing/2014/main" id="{3C06EAFD-0C69-4B3B-BEA7-E7E11DDF9C43}"/>
+                <a16:creationId xmlns:a16="http://schemas.microsoft.com/office/drawing/2014/main" id="{E009DD9B-5EE2-4C0D-8B2B-351C8C102205}"/>
               </a:ext>
               <a:ext uri="{C183D7F6-B498-43B3-948B-1728B52AA6E4}">
                 <adec:decorative xmlns:adec="http://schemas.microsoft.com/office/drawing/2017/decorative" val="1"/>
@@ -5639,7 +5733,7 @@
         <p:spPr>
           <a:xfrm>
             <a:off x="0" y="0"/>
-            <a:ext cx="12188952" cy="6858000"/>
+            <a:ext cx="12192000" cy="6858000"/>
           </a:xfrm>
           <a:prstGeom prst="rect">
             <a:avLst/>
@@ -5675,10 +5769,10 @@
       </p:sp>
       <p:sp>
         <p:nvSpPr>
-          <p:cNvPr id="10" name="Rectangle 9">
+          <p:cNvPr id="54" name="Rectangle 44">
             <a:extLst>
               <a:ext uri="{FF2B5EF4-FFF2-40B4-BE49-F238E27FC236}">
-                <a16:creationId xmlns:a16="http://schemas.microsoft.com/office/drawing/2014/main" id="{A4066C89-42FB-4624-9AFE-3A31B36491B5}"/>
+                <a16:creationId xmlns:a16="http://schemas.microsoft.com/office/drawing/2014/main" id="{E720DB99-7745-4E75-9D96-AAB6D55C531E}"/>
               </a:ext>
               <a:ext uri="{C183D7F6-B498-43B3-948B-1728B52AA6E4}">
                 <adec:decorative xmlns:adec="http://schemas.microsoft.com/office/drawing/2017/decorative" val="1"/>
@@ -5698,58 +5792,202 @@
         </p:nvSpPr>
         <p:spPr>
           <a:xfrm>
-            <a:off x="3344" y="0"/>
-            <a:ext cx="4648169" cy="6858000"/>
+            <a:off x="984504" y="464119"/>
+            <a:ext cx="10222992" cy="80683"/>
           </a:xfrm>
           <a:prstGeom prst="rect">
             <a:avLst/>
           </a:prstGeom>
           <a:blipFill dpi="0" rotWithShape="1">
             <a:blip r:embed="rId3">
-              <a:duotone>
-                <a:schemeClr val="accent1">
-                  <a:shade val="45000"/>
-                  <a:satMod val="135000"/>
-                </a:schemeClr>
-                <a:prstClr val="white"/>
-              </a:duotone>
+              <a:alphaModFix amt="85000"/>
+              <a:lum bright="70000" contrast="-70000"/>
               <a:extLst>
                 <a:ext uri="{BEBA8EAE-BF5A-486C-A8C5-ECC9F3942E4B}">
                   <a14:imgProps xmlns:a14="http://schemas.microsoft.com/office/drawing/2010/main">
                     <a14:imgLayer r:embed="rId4">
                       <a14:imgEffect>
-                        <a14:saturation sat="400000"/>
-                      </a14:imgEffect>
-                      <a14:imgEffect>
-                        <a14:brightnessContrast bright="-40000" contrast="40000"/>
+                        <a14:sharpenSoften amount="61000"/>
                       </a14:imgEffect>
                     </a14:imgLayer>
                   </a14:imgProps>
                 </a:ext>
+                <a:ext uri="{28A0092B-C50C-407E-A947-70E740481C1C}">
+                  <a14:useLocalDpi xmlns:a14="http://schemas.microsoft.com/office/drawing/2010/main" val="0"/>
+                </a:ext>
               </a:extLst>
             </a:blip>
             <a:srcRect/>
-            <a:tile tx="0" ty="0" sx="85000" sy="85000" flip="none" algn="tl"/>
+            <a:tile tx="0" ty="-762000" sx="92000" sy="89000" flip="xy" algn="ctr"/>
           </a:blipFill>
-          <a:ln w="25400" cap="flat" cmpd="sng" algn="ctr">
+          <a:ln>
             <a:noFill/>
-            <a:prstDash val="solid"/>
           </a:ln>
-          <a:effectLst/>
         </p:spPr>
-        <p:txBody>
-          <a:bodyPr lIns="0" tIns="0" rIns="0" bIns="0" rtlCol="0" anchor="ctr"/>
-          <a:lstStyle/>
-          <a:p>
-            <a:pPr algn="ctr" defTabSz="914400"/>
-            <a:endParaRPr lang="en-US" sz="2000" kern="0">
-              <a:solidFill>
-                <a:prstClr val="white"/>
-              </a:solidFill>
-              <a:latin typeface="Rockwell Extra Bold" pitchFamily="18" charset="0"/>
-            </a:endParaRPr>
-          </a:p>
-        </p:txBody>
+        <p:style>
+          <a:lnRef idx="2">
+            <a:schemeClr val="accent1">
+              <a:shade val="50000"/>
+            </a:schemeClr>
+          </a:lnRef>
+          <a:fillRef idx="1">
+            <a:schemeClr val="accent1"/>
+          </a:fillRef>
+          <a:effectRef idx="0">
+            <a:schemeClr val="accent1"/>
+          </a:effectRef>
+          <a:fontRef idx="minor">
+            <a:schemeClr val="lt1"/>
+          </a:fontRef>
+        </p:style>
+      </p:sp>
+      <p:sp>
+        <p:nvSpPr>
+          <p:cNvPr id="55" name="Rectangle 46">
+            <a:extLst>
+              <a:ext uri="{FF2B5EF4-FFF2-40B4-BE49-F238E27FC236}">
+                <a16:creationId xmlns:a16="http://schemas.microsoft.com/office/drawing/2014/main" id="{D68803C4-E159-4360-B7BB-74205C8F782D}"/>
+              </a:ext>
+              <a:ext uri="{C183D7F6-B498-43B3-948B-1728B52AA6E4}">
+                <adec:decorative xmlns:adec="http://schemas.microsoft.com/office/drawing/2017/decorative" val="1"/>
+              </a:ext>
+            </a:extLst>
+          </p:cNvPr>
+          <p:cNvSpPr>
+            <a:spLocks noGrp="1" noRot="1" noChangeAspect="1" noMove="1" noResize="1" noEditPoints="1" noAdjustHandles="1" noChangeArrowheads="1" noChangeShapeType="1" noTextEdit="1"/>
+          </p:cNvSpPr>
+          <p:nvPr>
+            <p:extLst>
+              <p:ext uri="{386F3935-93C4-4BCD-93E2-E3B085C9AB24}">
+                <p16:designElem xmlns:p16="http://schemas.microsoft.com/office/powerpoint/2015/main" val="1"/>
+              </p:ext>
+            </p:extLst>
+          </p:nvPr>
+        </p:nvSpPr>
+        <p:spPr>
+          <a:xfrm>
+            <a:off x="984504" y="601952"/>
+            <a:ext cx="10222992" cy="1385874"/>
+          </a:xfrm>
+          <a:prstGeom prst="rect">
+            <a:avLst/>
+          </a:prstGeom>
+          <a:blipFill dpi="0" rotWithShape="1">
+            <a:blip r:embed="rId3">
+              <a:alphaModFix amt="85000"/>
+              <a:lum bright="70000" contrast="-70000"/>
+              <a:extLst>
+                <a:ext uri="{BEBA8EAE-BF5A-486C-A8C5-ECC9F3942E4B}">
+                  <a14:imgProps xmlns:a14="http://schemas.microsoft.com/office/drawing/2010/main">
+                    <a14:imgLayer r:embed="rId4">
+                      <a14:imgEffect>
+                        <a14:sharpenSoften amount="61000"/>
+                      </a14:imgEffect>
+                    </a14:imgLayer>
+                  </a14:imgProps>
+                </a:ext>
+                <a:ext uri="{28A0092B-C50C-407E-A947-70E740481C1C}">
+                  <a14:useLocalDpi xmlns:a14="http://schemas.microsoft.com/office/drawing/2010/main" val="0"/>
+                </a:ext>
+              </a:extLst>
+            </a:blip>
+            <a:srcRect/>
+            <a:tile tx="0" ty="-704850" sx="92000" sy="89000" flip="xy" algn="ctr"/>
+          </a:blipFill>
+          <a:ln>
+            <a:noFill/>
+          </a:ln>
+        </p:spPr>
+        <p:style>
+          <a:lnRef idx="2">
+            <a:schemeClr val="accent1">
+              <a:shade val="50000"/>
+            </a:schemeClr>
+          </a:lnRef>
+          <a:fillRef idx="1">
+            <a:schemeClr val="accent1"/>
+          </a:fillRef>
+          <a:effectRef idx="0">
+            <a:schemeClr val="accent1"/>
+          </a:effectRef>
+          <a:fontRef idx="minor">
+            <a:schemeClr val="lt1"/>
+          </a:fontRef>
+        </p:style>
+      </p:sp>
+      <p:sp>
+        <p:nvSpPr>
+          <p:cNvPr id="49" name="Rectangle 48">
+            <a:extLst>
+              <a:ext uri="{FF2B5EF4-FFF2-40B4-BE49-F238E27FC236}">
+                <a16:creationId xmlns:a16="http://schemas.microsoft.com/office/drawing/2014/main" id="{504B0465-3B07-49BF-BEA7-D81476246293}"/>
+              </a:ext>
+              <a:ext uri="{C183D7F6-B498-43B3-948B-1728B52AA6E4}">
+                <adec:decorative xmlns:adec="http://schemas.microsoft.com/office/drawing/2017/decorative" val="1"/>
+              </a:ext>
+            </a:extLst>
+          </p:cNvPr>
+          <p:cNvSpPr>
+            <a:spLocks noGrp="1" noRot="1" noChangeAspect="1" noMove="1" noResize="1" noEditPoints="1" noAdjustHandles="1" noChangeArrowheads="1" noChangeShapeType="1" noTextEdit="1"/>
+          </p:cNvSpPr>
+          <p:nvPr>
+            <p:extLst>
+              <p:ext uri="{386F3935-93C4-4BCD-93E2-E3B085C9AB24}">
+                <p16:designElem xmlns:p16="http://schemas.microsoft.com/office/powerpoint/2015/main" val="1"/>
+              </p:ext>
+            </p:extLst>
+          </p:nvPr>
+        </p:nvSpPr>
+        <p:spPr>
+          <a:xfrm>
+            <a:off x="984504" y="2038655"/>
+            <a:ext cx="10222992" cy="80683"/>
+          </a:xfrm>
+          <a:prstGeom prst="rect">
+            <a:avLst/>
+          </a:prstGeom>
+          <a:blipFill dpi="0" rotWithShape="1">
+            <a:blip r:embed="rId3">
+              <a:alphaModFix amt="85000"/>
+              <a:lum bright="70000" contrast="-70000"/>
+              <a:extLst>
+                <a:ext uri="{BEBA8EAE-BF5A-486C-A8C5-ECC9F3942E4B}">
+                  <a14:imgProps xmlns:a14="http://schemas.microsoft.com/office/drawing/2010/main">
+                    <a14:imgLayer r:embed="rId4">
+                      <a14:imgEffect>
+                        <a14:sharpenSoften amount="61000"/>
+                      </a14:imgEffect>
+                    </a14:imgLayer>
+                  </a14:imgProps>
+                </a:ext>
+                <a:ext uri="{28A0092B-C50C-407E-A947-70E740481C1C}">
+                  <a14:useLocalDpi xmlns:a14="http://schemas.microsoft.com/office/drawing/2010/main" val="0"/>
+                </a:ext>
+              </a:extLst>
+            </a:blip>
+            <a:srcRect/>
+            <a:tile tx="0" ty="-717550" sx="92000" sy="89000" flip="xy" algn="ctr"/>
+          </a:blipFill>
+          <a:ln>
+            <a:noFill/>
+          </a:ln>
+        </p:spPr>
+        <p:style>
+          <a:lnRef idx="2">
+            <a:schemeClr val="accent1">
+              <a:shade val="50000"/>
+            </a:schemeClr>
+          </a:lnRef>
+          <a:fillRef idx="1">
+            <a:schemeClr val="accent1"/>
+          </a:fillRef>
+          <a:effectRef idx="0">
+            <a:schemeClr val="accent1"/>
+          </a:effectRef>
+          <a:fontRef idx="minor">
+            <a:schemeClr val="lt1"/>
+          </a:fontRef>
+        </p:style>
       </p:sp>
       <p:sp>
         <p:nvSpPr>
@@ -5769,8 +6007,8 @@
         </p:nvSpPr>
         <p:spPr>
           <a:xfrm>
-            <a:off x="643468" y="643466"/>
-            <a:ext cx="3686312" cy="5528734"/>
+            <a:off x="1069848" y="484632"/>
+            <a:ext cx="10058400" cy="1609344"/>
           </a:xfrm>
         </p:spPr>
         <p:txBody>
@@ -5779,18 +6017,48 @@
           </a:bodyPr>
           <a:lstStyle/>
           <a:p>
-            <a:pPr algn="r"/>
-            <a:r>
-              <a:rPr lang="en-US" sz="4800" dirty="0">
-                <a:solidFill>
-                  <a:srgbClr val="FFFFFF"/>
-                </a:solidFill>
-              </a:rPr>
+            <a:r>
+              <a:rPr lang="en-US"/>
               <a:t>earthquakes?</a:t>
             </a:r>
           </a:p>
         </p:txBody>
       </p:sp>
+      <p:pic>
+        <p:nvPicPr>
+          <p:cNvPr id="5" name="Picture 4" descr="A picture containing text, screenshot, diagram, design&#10;&#10;Description automatically generated">
+            <a:extLst>
+              <a:ext uri="{FF2B5EF4-FFF2-40B4-BE49-F238E27FC236}">
+                <a16:creationId xmlns:a16="http://schemas.microsoft.com/office/drawing/2014/main" id="{4C8F36DC-303D-9646-A306-823BB0973BFB}"/>
+              </a:ext>
+            </a:extLst>
+          </p:cNvPr>
+          <p:cNvPicPr>
+            <a:picLocks noChangeAspect="1"/>
+          </p:cNvPicPr>
+          <p:nvPr/>
+        </p:nvPicPr>
+        <p:blipFill rotWithShape="1">
+          <a:blip r:embed="rId5">
+            <a:extLst>
+              <a:ext uri="{28A0092B-C50C-407E-A947-70E740481C1C}">
+                <a14:useLocalDpi xmlns:a14="http://schemas.microsoft.com/office/drawing/2010/main" val="0"/>
+              </a:ext>
+            </a:extLst>
+          </a:blip>
+          <a:srcRect l="3698" r="8979" b="3"/>
+          <a:stretch/>
+        </p:blipFill>
+        <p:spPr>
+          <a:xfrm>
+            <a:off x="984505" y="2265037"/>
+            <a:ext cx="5109977" cy="3906000"/>
+          </a:xfrm>
+          <a:prstGeom prst="rect">
+            <a:avLst/>
+          </a:prstGeom>
+        </p:spPr>
+      </p:pic>
       <p:sp>
         <p:nvSpPr>
           <p:cNvPr id="3" name="Content Placeholder 2">
@@ -5809,44 +6077,69 @@
         </p:nvSpPr>
         <p:spPr>
           <a:xfrm>
-            <a:off x="5053780" y="599768"/>
-            <a:ext cx="6074467" cy="5572432"/>
+            <a:off x="6496216" y="2320412"/>
+            <a:ext cx="4632031" cy="3851787"/>
           </a:xfrm>
         </p:spPr>
         <p:txBody>
           <a:bodyPr anchor="ctr">
-            <a:normAutofit/>
+            <a:normAutofit lnSpcReduction="10000"/>
           </a:bodyPr>
           <a:lstStyle/>
           <a:p>
+            <a:endParaRPr lang="en-US" dirty="0"/>
+          </a:p>
+          <a:p>
+            <a:endParaRPr lang="en-US" dirty="0"/>
+          </a:p>
+          <a:p>
+            <a:pPr algn="just"/>
             <a:r>
               <a:rPr lang="en-US" dirty="0"/>
-              <a:t>Movement in the outer crust of the Earth means we experience shaking. </a:t>
-            </a:r>
-          </a:p>
-          <a:p>
+              <a:t>Movement in the outer crust of the Earth at faults = experience shaking </a:t>
+            </a:r>
+          </a:p>
+          <a:p>
+            <a:pPr algn="just"/>
             <a:r>
               <a:rPr lang="en-US" dirty="0"/>
               <a:t>Where an earthquake begins = epicenter</a:t>
             </a:r>
           </a:p>
           <a:p>
+            <a:pPr algn="just"/>
             <a:r>
               <a:rPr lang="en-US" dirty="0"/>
-              <a:t>To better measure the shaking and damage caused = we use magnitude </a:t>
-            </a:r>
-          </a:p>
-          <a:p>
+              <a:t>To better measure the shaking, size of the earthquake and damage caused = we use magnitude </a:t>
+            </a:r>
+          </a:p>
+          <a:p>
+            <a:pPr algn="just"/>
+            <a:r>
+              <a:rPr lang="en-US" dirty="0"/>
+              <a:t>How deep in the Earth an earthquake occurs = depth (km) </a:t>
+            </a:r>
+          </a:p>
+          <a:p>
+            <a:pPr marL="0" indent="0">
+              <a:buNone/>
+            </a:pPr>
             <a:endParaRPr lang="en-US" dirty="0"/>
           </a:p>
-        </p:txBody>
-      </p:sp>
-      <p:sp>
-        <p:nvSpPr>
-          <p:cNvPr id="12" name="Oval 11">
+          <a:p>
+            <a:endParaRPr lang="en-US" dirty="0"/>
+          </a:p>
+          <a:p>
+            <a:endParaRPr lang="en-US" dirty="0"/>
+          </a:p>
+        </p:txBody>
+      </p:sp>
+      <p:sp>
+        <p:nvSpPr>
+          <p:cNvPr id="51" name="Oval 50">
             <a:extLst>
               <a:ext uri="{FF2B5EF4-FFF2-40B4-BE49-F238E27FC236}">
-                <a16:creationId xmlns:a16="http://schemas.microsoft.com/office/drawing/2014/main" id="{BA218FBC-B2D6-48CA-9289-C4110162EDAD}"/>
+                <a16:creationId xmlns:a16="http://schemas.microsoft.com/office/drawing/2014/main" id="{49B7FFA5-14CB-4A4F-9BCC-CA3AA5D9D276}"/>
               </a:ext>
               <a:ext uri="{C183D7F6-B498-43B3-948B-1728B52AA6E4}">
                 <adec:decorative xmlns:adec="http://schemas.microsoft.com/office/drawing/2017/decorative" val="1"/>
@@ -5873,7 +6166,7 @@
             <a:avLst/>
           </a:prstGeom>
           <a:blipFill dpi="0" rotWithShape="1">
-            <a:blip r:embed="rId5">
+            <a:blip r:embed="rId6">
               <a:duotone>
                 <a:schemeClr val="accent1">
                   <a:shade val="45000"/>
@@ -5931,10 +6224,10 @@
       </p:sp>
       <p:sp>
         <p:nvSpPr>
-          <p:cNvPr id="14" name="Oval 13">
+          <p:cNvPr id="53" name="Oval 52">
             <a:extLst>
               <a:ext uri="{FF2B5EF4-FFF2-40B4-BE49-F238E27FC236}">
-                <a16:creationId xmlns:a16="http://schemas.microsoft.com/office/drawing/2014/main" id="{2DED9084-49DA-4911-ACB7-5F9E4DEFA039}"/>
+                <a16:creationId xmlns:a16="http://schemas.microsoft.com/office/drawing/2014/main" id="{04E48745-7512-4EC2-9E20-9092D12150CA}"/>
               </a:ext>
               <a:ext uri="{C183D7F6-B498-43B3-948B-1728B52AA6E4}">
                 <adec:decorative xmlns:adec="http://schemas.microsoft.com/office/drawing/2017/decorative" val="1"/>
@@ -6021,6 +6314,398 @@
 </file>
 
 <file path=ppt/slides/slide3.xml><?xml version="1.0" encoding="utf-8"?>
+<p:sld xmlns:a="http://schemas.openxmlformats.org/drawingml/2006/main" xmlns:r="http://schemas.openxmlformats.org/officeDocument/2006/relationships" xmlns:p="http://schemas.openxmlformats.org/presentationml/2006/main">
+  <p:cSld>
+    <p:bg>
+      <p:bgPr>
+        <a:solidFill>
+          <a:schemeClr val="bg1"/>
+        </a:solidFill>
+        <a:effectLst/>
+      </p:bgPr>
+    </p:bg>
+    <p:spTree>
+      <p:nvGrpSpPr>
+        <p:cNvPr id="1" name=""/>
+        <p:cNvGrpSpPr/>
+        <p:nvPr/>
+      </p:nvGrpSpPr>
+      <p:grpSpPr>
+        <a:xfrm>
+          <a:off x="0" y="0"/>
+          <a:ext cx="0" cy="0"/>
+          <a:chOff x="0" y="0"/>
+          <a:chExt cx="0" cy="0"/>
+        </a:xfrm>
+      </p:grpSpPr>
+      <p:sp>
+        <p:nvSpPr>
+          <p:cNvPr id="23" name="Rectangle 22">
+            <a:extLst>
+              <a:ext uri="{FF2B5EF4-FFF2-40B4-BE49-F238E27FC236}">
+                <a16:creationId xmlns:a16="http://schemas.microsoft.com/office/drawing/2014/main" id="{F3AF35CD-DA30-4E34-B0F3-32C27766DA05}"/>
+              </a:ext>
+              <a:ext uri="{C183D7F6-B498-43B3-948B-1728B52AA6E4}">
+                <adec:decorative xmlns:adec="http://schemas.microsoft.com/office/drawing/2017/decorative" val="1"/>
+              </a:ext>
+            </a:extLst>
+          </p:cNvPr>
+          <p:cNvSpPr>
+            <a:spLocks noGrp="1" noRot="1" noChangeAspect="1" noMove="1" noResize="1" noEditPoints="1" noAdjustHandles="1" noChangeArrowheads="1" noChangeShapeType="1" noTextEdit="1"/>
+          </p:cNvSpPr>
+          <p:nvPr>
+            <p:extLst>
+              <p:ext uri="{386F3935-93C4-4BCD-93E2-E3B085C9AB24}">
+                <p16:designElem xmlns:p16="http://schemas.microsoft.com/office/powerpoint/2015/main" val="1"/>
+              </p:ext>
+            </p:extLst>
+          </p:nvPr>
+        </p:nvSpPr>
+        <p:spPr>
+          <a:xfrm>
+            <a:off x="7836310" y="0"/>
+            <a:ext cx="4355689" cy="6857999"/>
+          </a:xfrm>
+          <a:prstGeom prst="rect">
+            <a:avLst/>
+          </a:prstGeom>
+          <a:blipFill dpi="0" rotWithShape="1">
+            <a:blip r:embed="rId3">
+              <a:alphaModFix amt="60000"/>
+              <a:lum bright="70000" contrast="-70000"/>
+              <a:extLst>
+                <a:ext uri="{BEBA8EAE-BF5A-486C-A8C5-ECC9F3942E4B}">
+                  <a14:imgProps xmlns:a14="http://schemas.microsoft.com/office/drawing/2010/main">
+                    <a14:imgLayer r:embed="rId4">
+                      <a14:imgEffect>
+                        <a14:sharpenSoften amount="61000"/>
+                      </a14:imgEffect>
+                    </a14:imgLayer>
+                  </a14:imgProps>
+                </a:ext>
+                <a:ext uri="{28A0092B-C50C-407E-A947-70E740481C1C}">
+                  <a14:useLocalDpi xmlns:a14="http://schemas.microsoft.com/office/drawing/2010/main" val="0"/>
+                </a:ext>
+              </a:extLst>
+            </a:blip>
+            <a:srcRect/>
+            <a:tile tx="0" ty="-704850" sx="92000" sy="89000" flip="xy" algn="ctr"/>
+          </a:blipFill>
+          <a:ln>
+            <a:noFill/>
+          </a:ln>
+        </p:spPr>
+        <p:style>
+          <a:lnRef idx="2">
+            <a:schemeClr val="accent1">
+              <a:shade val="50000"/>
+            </a:schemeClr>
+          </a:lnRef>
+          <a:fillRef idx="1">
+            <a:schemeClr val="accent1"/>
+          </a:fillRef>
+          <a:effectRef idx="0">
+            <a:schemeClr val="accent1"/>
+          </a:effectRef>
+          <a:fontRef idx="minor">
+            <a:schemeClr val="lt1"/>
+          </a:fontRef>
+        </p:style>
+        <p:txBody>
+          <a:bodyPr rtlCol="0" anchor="ctr"/>
+          <a:lstStyle/>
+          <a:p>
+            <a:pPr algn="ctr"/>
+            <a:endParaRPr lang="en-US"/>
+          </a:p>
+        </p:txBody>
+      </p:sp>
+      <p:pic>
+        <p:nvPicPr>
+          <p:cNvPr id="7" name="Content Placeholder 6" descr="A picture containing map, diagram, text&#10;&#10;Description automatically generated">
+            <a:extLst>
+              <a:ext uri="{FF2B5EF4-FFF2-40B4-BE49-F238E27FC236}">
+                <a16:creationId xmlns:a16="http://schemas.microsoft.com/office/drawing/2014/main" id="{1A1CF318-7187-F21A-B642-222CD4D8F023}"/>
+              </a:ext>
+            </a:extLst>
+          </p:cNvPr>
+          <p:cNvPicPr>
+            <a:picLocks noChangeAspect="1"/>
+          </p:cNvPicPr>
+          <p:nvPr/>
+        </p:nvPicPr>
+        <p:blipFill>
+          <a:blip r:embed="rId5">
+            <a:extLst>
+              <a:ext uri="{28A0092B-C50C-407E-A947-70E740481C1C}">
+                <a14:useLocalDpi xmlns:a14="http://schemas.microsoft.com/office/drawing/2010/main" val="0"/>
+              </a:ext>
+            </a:extLst>
+          </a:blip>
+          <a:stretch>
+            <a:fillRect/>
+          </a:stretch>
+        </p:blipFill>
+        <p:spPr>
+          <a:xfrm>
+            <a:off x="0" y="1360847"/>
+            <a:ext cx="7836310" cy="4721375"/>
+          </a:xfrm>
+          <a:prstGeom prst="rect">
+            <a:avLst/>
+          </a:prstGeom>
+        </p:spPr>
+      </p:pic>
+      <p:sp>
+        <p:nvSpPr>
+          <p:cNvPr id="22" name="Content Placeholder 19">
+            <a:extLst>
+              <a:ext uri="{FF2B5EF4-FFF2-40B4-BE49-F238E27FC236}">
+                <a16:creationId xmlns:a16="http://schemas.microsoft.com/office/drawing/2014/main" id="{BB712E53-3271-9162-62DC-D6FFC5B82538}"/>
+              </a:ext>
+            </a:extLst>
+          </p:cNvPr>
+          <p:cNvSpPr>
+            <a:spLocks noGrp="1"/>
+          </p:cNvSpPr>
+          <p:nvPr>
+            <p:ph idx="1"/>
+          </p:nvPr>
+        </p:nvSpPr>
+        <p:spPr>
+          <a:xfrm>
+            <a:off x="8156351" y="647700"/>
+            <a:ext cx="3544034" cy="5524500"/>
+          </a:xfrm>
+        </p:spPr>
+        <p:txBody>
+          <a:bodyPr>
+            <a:normAutofit/>
+          </a:bodyPr>
+          <a:lstStyle/>
+          <a:p>
+            <a:r>
+              <a:rPr lang="en-US" sz="1600" dirty="0"/>
+              <a:t>Data provided by USGS (United States Geological Survey) for all earthquakes that have occurred in the last </a:t>
+            </a:r>
+            <a:r>
+              <a:rPr lang="en-US" sz="1600"/>
+              <a:t>30 days </a:t>
+            </a:r>
+          </a:p>
+          <a:p>
+            <a:endParaRPr lang="en-US" sz="1600"/>
+          </a:p>
+        </p:txBody>
+      </p:sp>
+      <p:grpSp>
+        <p:nvGrpSpPr>
+          <p:cNvPr id="25" name="Group 24">
+            <a:extLst>
+              <a:ext uri="{FF2B5EF4-FFF2-40B4-BE49-F238E27FC236}">
+                <a16:creationId xmlns:a16="http://schemas.microsoft.com/office/drawing/2014/main" id="{BCFC42DC-2C46-47C4-BC61-530557385DBD}"/>
+              </a:ext>
+              <a:ext uri="{C183D7F6-B498-43B3-948B-1728B52AA6E4}">
+                <adec:decorative xmlns:adec="http://schemas.microsoft.com/office/drawing/2017/decorative" val="1"/>
+              </a:ext>
+            </a:extLst>
+          </p:cNvPr>
+          <p:cNvGrpSpPr>
+            <a:grpSpLocks noGrp="1" noUngrp="1" noRot="1" noChangeAspect="1" noMove="1" noResize="1"/>
+          </p:cNvGrpSpPr>
+          <p:nvPr>
+            <p:extLst>
+              <p:ext uri="{386F3935-93C4-4BCD-93E2-E3B085C9AB24}">
+                <p16:designElem xmlns:p16="http://schemas.microsoft.com/office/powerpoint/2015/main" val="1"/>
+              </p:ext>
+            </p:extLst>
+          </p:nvPr>
+        </p:nvGrpSpPr>
+        <p:grpSpPr>
+          <a:xfrm>
+            <a:off x="11401725" y="6229681"/>
+            <a:ext cx="457200" cy="457200"/>
+            <a:chOff x="11361456" y="6195813"/>
+            <a:chExt cx="548640" cy="548640"/>
+          </a:xfrm>
+        </p:grpSpPr>
+        <p:sp>
+          <p:nvSpPr>
+            <p:cNvPr id="26" name="Oval 25">
+              <a:extLst>
+                <a:ext uri="{FF2B5EF4-FFF2-40B4-BE49-F238E27FC236}">
+                  <a16:creationId xmlns:a16="http://schemas.microsoft.com/office/drawing/2014/main" id="{54B91A37-AA1F-4966-8ACF-93023547DA92}"/>
+                </a:ext>
+                <a:ext uri="{C183D7F6-B498-43B3-948B-1728B52AA6E4}">
+                  <adec:decorative xmlns:adec="http://schemas.microsoft.com/office/drawing/2017/decorative" val="1"/>
+                </a:ext>
+              </a:extLst>
+            </p:cNvPr>
+            <p:cNvSpPr/>
+            <p:nvPr>
+              <p:extLst>
+                <p:ext uri="{386F3935-93C4-4BCD-93E2-E3B085C9AB24}">
+                  <p16:designElem xmlns:p16="http://schemas.microsoft.com/office/powerpoint/2015/main" val="1"/>
+                </p:ext>
+              </p:extLst>
+            </p:nvPr>
+          </p:nvSpPr>
+          <p:spPr>
+            <a:xfrm>
+              <a:off x="11361456" y="6195813"/>
+              <a:ext cx="548640" cy="548640"/>
+            </a:xfrm>
+            <a:prstGeom prst="ellipse">
+              <a:avLst/>
+            </a:prstGeom>
+            <a:blipFill dpi="0" rotWithShape="1">
+              <a:blip r:embed="rId6">
+                <a:duotone>
+                  <a:schemeClr val="accent1">
+                    <a:shade val="45000"/>
+                    <a:satMod val="135000"/>
+                  </a:schemeClr>
+                  <a:prstClr val="white"/>
+                </a:duotone>
+              </a:blip>
+              <a:srcRect/>
+              <a:tile tx="50800" ty="0" sx="85000" sy="85000" flip="none" algn="tl"/>
+            </a:blipFill>
+            <a:ln w="25400" cap="flat" cmpd="sng" algn="ctr">
+              <a:noFill/>
+              <a:prstDash val="solid"/>
+            </a:ln>
+            <a:effectLst/>
+          </p:spPr>
+          <p:txBody>
+            <a:bodyPr lIns="0" tIns="0" rIns="0" bIns="0" rtlCol="0" anchor="ctr"/>
+            <a:lstStyle/>
+            <a:p>
+              <a:pPr marL="0" marR="0" lvl="0" indent="0" algn="ctr" defTabSz="914400" eaLnBrk="1" fontAlgn="auto" latinLnBrk="0" hangingPunct="1">
+                <a:lnSpc>
+                  <a:spcPct val="100000"/>
+                </a:lnSpc>
+                <a:spcBef>
+                  <a:spcPts val="0"/>
+                </a:spcBef>
+                <a:spcAft>
+                  <a:spcPts val="0"/>
+                </a:spcAft>
+                <a:buClrTx/>
+                <a:buSzTx/>
+                <a:buFontTx/>
+                <a:buNone/>
+                <a:tabLst/>
+                <a:defRPr/>
+              </a:pPr>
+              <a:endParaRPr kumimoji="0" lang="en-US" sz="2000" b="0" i="0" u="none" strike="noStrike" kern="0" cap="none" spc="0" normalizeH="0" baseline="0" noProof="0" dirty="0">
+                <a:ln>
+                  <a:noFill/>
+                </a:ln>
+                <a:solidFill>
+                  <a:prstClr val="white"/>
+                </a:solidFill>
+                <a:effectLst/>
+                <a:uLnTx/>
+                <a:uFillTx/>
+                <a:latin typeface="Rockwell Extra Bold" pitchFamily="18" charset="0"/>
+                <a:ea typeface="+mn-ea"/>
+                <a:cs typeface="+mn-cs"/>
+              </a:endParaRPr>
+            </a:p>
+          </p:txBody>
+        </p:sp>
+        <p:sp>
+          <p:nvSpPr>
+            <p:cNvPr id="27" name="Oval 26">
+              <a:extLst>
+                <a:ext uri="{FF2B5EF4-FFF2-40B4-BE49-F238E27FC236}">
+                  <a16:creationId xmlns:a16="http://schemas.microsoft.com/office/drawing/2014/main" id="{17B17AC5-0931-432F-9A4A-DDCFAA010ABC}"/>
+                </a:ext>
+                <a:ext uri="{C183D7F6-B498-43B3-948B-1728B52AA6E4}">
+                  <adec:decorative xmlns:adec="http://schemas.microsoft.com/office/drawing/2017/decorative" val="1"/>
+                </a:ext>
+              </a:extLst>
+            </p:cNvPr>
+            <p:cNvSpPr/>
+            <p:nvPr>
+              <p:extLst>
+                <p:ext uri="{386F3935-93C4-4BCD-93E2-E3B085C9AB24}">
+                  <p16:designElem xmlns:p16="http://schemas.microsoft.com/office/powerpoint/2015/main" val="1"/>
+                </p:ext>
+              </p:extLst>
+            </p:nvPr>
+          </p:nvSpPr>
+          <p:spPr>
+            <a:xfrm>
+              <a:off x="11396488" y="6230844"/>
+              <a:ext cx="478576" cy="478578"/>
+            </a:xfrm>
+            <a:prstGeom prst="ellipse">
+              <a:avLst/>
+            </a:prstGeom>
+            <a:noFill/>
+            <a:ln w="12700" cap="flat" cmpd="sng" algn="ctr">
+              <a:solidFill>
+                <a:srgbClr val="FFFFFF"/>
+              </a:solidFill>
+              <a:prstDash val="solid"/>
+            </a:ln>
+            <a:effectLst/>
+          </p:spPr>
+          <p:txBody>
+            <a:bodyPr rtlCol="0" anchor="ctr"/>
+            <a:lstStyle/>
+            <a:p>
+              <a:pPr marL="0" marR="0" lvl="0" indent="0" algn="ctr" defTabSz="914400" eaLnBrk="1" fontAlgn="auto" latinLnBrk="0" hangingPunct="1">
+                <a:lnSpc>
+                  <a:spcPct val="100000"/>
+                </a:lnSpc>
+                <a:spcBef>
+                  <a:spcPts val="0"/>
+                </a:spcBef>
+                <a:spcAft>
+                  <a:spcPts val="0"/>
+                </a:spcAft>
+                <a:buClrTx/>
+                <a:buSzTx/>
+                <a:buFontTx/>
+                <a:buNone/>
+                <a:tabLst/>
+                <a:defRPr/>
+              </a:pPr>
+              <a:endParaRPr kumimoji="0" lang="en-US" sz="1800" b="0" i="0" u="none" strike="noStrike" kern="0" cap="none" spc="0" normalizeH="0" baseline="0" noProof="0" dirty="0">
+                <a:ln>
+                  <a:noFill/>
+                </a:ln>
+                <a:solidFill>
+                  <a:prstClr val="white"/>
+                </a:solidFill>
+                <a:effectLst/>
+                <a:uLnTx/>
+                <a:uFillTx/>
+                <a:latin typeface="Calibri"/>
+                <a:ea typeface="+mn-ea"/>
+                <a:cs typeface="+mn-cs"/>
+              </a:endParaRPr>
+            </a:p>
+          </p:txBody>
+        </p:sp>
+      </p:grpSp>
+    </p:spTree>
+    <p:extLst>
+      <p:ext uri="{BB962C8B-B14F-4D97-AF65-F5344CB8AC3E}">
+        <p14:creationId xmlns:p14="http://schemas.microsoft.com/office/powerpoint/2010/main" val="2896056094"/>
+      </p:ext>
+    </p:extLst>
+  </p:cSld>
+  <p:clrMapOvr>
+    <a:masterClrMapping/>
+  </p:clrMapOvr>
+</p:sld>
+</file>
+
+<file path=ppt/slides/slide4.xml><?xml version="1.0" encoding="utf-8"?>
 <p:sld xmlns:a="http://schemas.openxmlformats.org/drawingml/2006/main" xmlns:r="http://schemas.openxmlformats.org/officeDocument/2006/relationships" xmlns:p="http://schemas.openxmlformats.org/presentationml/2006/main">
   <p:cSld>
     <p:bg>
@@ -6232,24 +6917,48 @@
           </a:bodyPr>
           <a:lstStyle/>
           <a:p>
+            <a:pPr algn="just"/>
             <a:r>
               <a:rPr lang="en-US" dirty="0"/>
               <a:t>https://earthquake.usgs.gov/data/comcat/index.php#magType</a:t>
             </a:r>
           </a:p>
           <a:p>
+            <a:pPr algn="just"/>
+            <a:r>
+              <a:rPr lang="en-US" dirty="0"/>
+              <a:t>https://</a:t>
+            </a:r>
+            <a:r>
+              <a:rPr lang="en-US" dirty="0" err="1"/>
+              <a:t>earthquake.usgs.gov</a:t>
+            </a:r>
+            <a:r>
+              <a:rPr lang="en-US" dirty="0"/>
+              <a:t>/earthquakes/feed/v1.0/summary/</a:t>
+            </a:r>
+            <a:r>
+              <a:rPr lang="en-US" dirty="0" err="1"/>
+              <a:t>all_month.csv</a:t>
+            </a:r>
+            <a:endParaRPr lang="en-US" dirty="0"/>
+          </a:p>
+          <a:p>
+            <a:pPr algn="just"/>
             <a:r>
               <a:rPr lang="en-US" dirty="0"/>
               <a:t>https://www.kaggle.com/datasets/farazrahman/earthquake?resource=download&amp;select=all_month.csv</a:t>
             </a:r>
           </a:p>
           <a:p>
+            <a:pPr algn="just"/>
             <a:r>
               <a:rPr lang="en-US" dirty="0"/>
               <a:t>https://www.bgs.ac.uk/discovering-geology/earth-hazards/earthquakes/</a:t>
             </a:r>
           </a:p>
           <a:p>
+            <a:pPr algn="just"/>
             <a:r>
               <a:rPr lang="en-US" dirty="0"/>
               <a:t>https://spaceplace.nasa.gov/earthquakes/en/</a:t>

--- a/Presentation4.pptx
+++ b/Presentation4.pptx
@@ -5,13 +5,18 @@
     <p:sldMasterId id="2147483840" r:id="rId1"/>
   </p:sldMasterIdLst>
   <p:notesMasterIdLst>
-    <p:notesMasterId r:id="rId6"/>
+    <p:notesMasterId r:id="rId11"/>
   </p:notesMasterIdLst>
   <p:sldIdLst>
     <p:sldId id="256" r:id="rId2"/>
     <p:sldId id="257" r:id="rId3"/>
     <p:sldId id="259" r:id="rId4"/>
-    <p:sldId id="258" r:id="rId5"/>
+    <p:sldId id="260" r:id="rId5"/>
+    <p:sldId id="264" r:id="rId6"/>
+    <p:sldId id="261" r:id="rId7"/>
+    <p:sldId id="263" r:id="rId8"/>
+    <p:sldId id="265" r:id="rId9"/>
+    <p:sldId id="258" r:id="rId10"/>
   </p:sldIdLst>
   <p:sldSz cx="12192000" cy="6858000"/>
   <p:notesSz cx="6858000" cy="9144000"/>
@@ -642,6 +647,21 @@
           <a:bodyPr/>
           <a:lstStyle/>
           <a:p>
+            <a:r>
+              <a:rPr lang="en-US" dirty="0"/>
+              <a:t>Grouped by to try and understand where the earthquakes had occurred in the last few days and how powerful they were</a:t>
+            </a:r>
+          </a:p>
+          <a:p>
+            <a:r>
+              <a:rPr lang="en-US" dirty="0"/>
+              <a:t>To see any patterns/correlation</a:t>
+            </a:r>
+          </a:p>
+          <a:p>
+            <a:endParaRPr lang="en-US" dirty="0"/>
+          </a:p>
+          <a:p>
             <a:endParaRPr lang="en-US" dirty="0"/>
           </a:p>
         </p:txBody>
@@ -673,6 +693,715 @@
     <p:extLst>
       <p:ext uri="{BB962C8B-B14F-4D97-AF65-F5344CB8AC3E}">
         <p14:creationId xmlns:p14="http://schemas.microsoft.com/office/powerpoint/2010/main" val="2553203458"/>
+      </p:ext>
+    </p:extLst>
+  </p:cSld>
+  <p:clrMapOvr>
+    <a:masterClrMapping/>
+  </p:clrMapOvr>
+</p:notes>
+</file>
+
+<file path=ppt/notesSlides/notesSlide3.xml><?xml version="1.0" encoding="utf-8"?>
+<p:notes xmlns:a="http://schemas.openxmlformats.org/drawingml/2006/main" xmlns:r="http://schemas.openxmlformats.org/officeDocument/2006/relationships" xmlns:p="http://schemas.openxmlformats.org/presentationml/2006/main">
+  <p:cSld>
+    <p:spTree>
+      <p:nvGrpSpPr>
+        <p:cNvPr id="1" name=""/>
+        <p:cNvGrpSpPr/>
+        <p:nvPr/>
+      </p:nvGrpSpPr>
+      <p:grpSpPr>
+        <a:xfrm>
+          <a:off x="0" y="0"/>
+          <a:ext cx="0" cy="0"/>
+          <a:chOff x="0" y="0"/>
+          <a:chExt cx="0" cy="0"/>
+        </a:xfrm>
+      </p:grpSpPr>
+      <p:sp>
+        <p:nvSpPr>
+          <p:cNvPr id="2" name="Slide Image Placeholder 1"/>
+          <p:cNvSpPr>
+            <a:spLocks noGrp="1" noRot="1" noChangeAspect="1"/>
+          </p:cNvSpPr>
+          <p:nvPr>
+            <p:ph type="sldImg"/>
+          </p:nvPr>
+        </p:nvSpPr>
+        <p:spPr/>
+      </p:sp>
+      <p:sp>
+        <p:nvSpPr>
+          <p:cNvPr id="3" name="Notes Placeholder 2"/>
+          <p:cNvSpPr>
+            <a:spLocks noGrp="1"/>
+          </p:cNvSpPr>
+          <p:nvPr>
+            <p:ph type="body" idx="1"/>
+          </p:nvPr>
+        </p:nvSpPr>
+        <p:spPr/>
+        <p:txBody>
+          <a:bodyPr/>
+          <a:lstStyle/>
+          <a:p>
+            <a:r>
+              <a:rPr lang="en-US" dirty="0" err="1"/>
+              <a:t>Orginally</a:t>
+            </a:r>
+            <a:r>
+              <a:rPr lang="en-US" dirty="0"/>
+              <a:t> going to do &gt;= 4 </a:t>
+            </a:r>
+          </a:p>
+          <a:p>
+            <a:endParaRPr lang="en-US" dirty="0"/>
+          </a:p>
+        </p:txBody>
+      </p:sp>
+      <p:sp>
+        <p:nvSpPr>
+          <p:cNvPr id="4" name="Slide Number Placeholder 3"/>
+          <p:cNvSpPr>
+            <a:spLocks noGrp="1"/>
+          </p:cNvSpPr>
+          <p:nvPr>
+            <p:ph type="sldNum" sz="quarter" idx="5"/>
+          </p:nvPr>
+        </p:nvSpPr>
+        <p:spPr/>
+        <p:txBody>
+          <a:bodyPr/>
+          <a:lstStyle/>
+          <a:p>
+            <a:fld id="{BFDA06AC-1348-A646-9ED5-5ADF855B5517}" type="slidenum">
+              <a:rPr lang="en-US" smtClean="0"/>
+              <a:t>4</a:t>
+            </a:fld>
+            <a:endParaRPr lang="en-US"/>
+          </a:p>
+        </p:txBody>
+      </p:sp>
+    </p:spTree>
+    <p:extLst>
+      <p:ext uri="{BB962C8B-B14F-4D97-AF65-F5344CB8AC3E}">
+        <p14:creationId xmlns:p14="http://schemas.microsoft.com/office/powerpoint/2010/main" val="3427876432"/>
+      </p:ext>
+    </p:extLst>
+  </p:cSld>
+  <p:clrMapOvr>
+    <a:masterClrMapping/>
+  </p:clrMapOvr>
+</p:notes>
+</file>
+
+<file path=ppt/notesSlides/notesSlide4.xml><?xml version="1.0" encoding="utf-8"?>
+<p:notes xmlns:a="http://schemas.openxmlformats.org/drawingml/2006/main" xmlns:r="http://schemas.openxmlformats.org/officeDocument/2006/relationships" xmlns:p="http://schemas.openxmlformats.org/presentationml/2006/main">
+  <p:cSld>
+    <p:spTree>
+      <p:nvGrpSpPr>
+        <p:cNvPr id="1" name=""/>
+        <p:cNvGrpSpPr/>
+        <p:nvPr/>
+      </p:nvGrpSpPr>
+      <p:grpSpPr>
+        <a:xfrm>
+          <a:off x="0" y="0"/>
+          <a:ext cx="0" cy="0"/>
+          <a:chOff x="0" y="0"/>
+          <a:chExt cx="0" cy="0"/>
+        </a:xfrm>
+      </p:grpSpPr>
+      <p:sp>
+        <p:nvSpPr>
+          <p:cNvPr id="2" name="Slide Image Placeholder 1"/>
+          <p:cNvSpPr>
+            <a:spLocks noGrp="1" noRot="1" noChangeAspect="1"/>
+          </p:cNvSpPr>
+          <p:nvPr>
+            <p:ph type="sldImg"/>
+          </p:nvPr>
+        </p:nvSpPr>
+        <p:spPr/>
+      </p:sp>
+      <p:sp>
+        <p:nvSpPr>
+          <p:cNvPr id="3" name="Notes Placeholder 2"/>
+          <p:cNvSpPr>
+            <a:spLocks noGrp="1"/>
+          </p:cNvSpPr>
+          <p:nvPr>
+            <p:ph type="body" idx="1"/>
+          </p:nvPr>
+        </p:nvSpPr>
+        <p:spPr/>
+        <p:txBody>
+          <a:bodyPr/>
+          <a:lstStyle/>
+          <a:p>
+            <a:r>
+              <a:rPr lang="en-GB" b="0" dirty="0" err="1">
+                <a:solidFill>
+                  <a:srgbClr val="7A3E9D"/>
+                </a:solidFill>
+                <a:effectLst/>
+                <a:latin typeface="Menlo" panose="020B0609030804020204" pitchFamily="49" charset="0"/>
+              </a:rPr>
+              <a:t>mag_data</a:t>
+            </a:r>
+            <a:r>
+              <a:rPr lang="en-GB" b="0" dirty="0">
+                <a:solidFill>
+                  <a:srgbClr val="333333"/>
+                </a:solidFill>
+                <a:effectLst/>
+                <a:latin typeface="Menlo" panose="020B0609030804020204" pitchFamily="49" charset="0"/>
+              </a:rPr>
+              <a:t> </a:t>
+            </a:r>
+            <a:r>
+              <a:rPr lang="en-GB" b="0" dirty="0">
+                <a:solidFill>
+                  <a:srgbClr val="777777"/>
+                </a:solidFill>
+                <a:effectLst/>
+                <a:latin typeface="Menlo" panose="020B0609030804020204" pitchFamily="49" charset="0"/>
+              </a:rPr>
+              <a:t>=</a:t>
+            </a:r>
+            <a:r>
+              <a:rPr lang="en-GB" b="0" dirty="0">
+                <a:solidFill>
+                  <a:srgbClr val="333333"/>
+                </a:solidFill>
+                <a:effectLst/>
+                <a:latin typeface="Menlo" panose="020B0609030804020204" pitchFamily="49" charset="0"/>
+              </a:rPr>
+              <a:t> </a:t>
+            </a:r>
+            <a:r>
+              <a:rPr lang="en-GB" b="0" dirty="0">
+                <a:solidFill>
+                  <a:srgbClr val="7A3E9D"/>
+                </a:solidFill>
+                <a:effectLst/>
+                <a:latin typeface="Menlo" panose="020B0609030804020204" pitchFamily="49" charset="0"/>
+              </a:rPr>
+              <a:t>where_4_mag</a:t>
+            </a:r>
+            <a:r>
+              <a:rPr lang="en-GB" b="0" dirty="0">
+                <a:solidFill>
+                  <a:srgbClr val="777777"/>
+                </a:solidFill>
+                <a:effectLst/>
+                <a:latin typeface="Menlo" panose="020B0609030804020204" pitchFamily="49" charset="0"/>
+              </a:rPr>
+              <a:t>["</a:t>
+            </a:r>
+            <a:r>
+              <a:rPr lang="en-GB" b="0" dirty="0">
+                <a:solidFill>
+                  <a:srgbClr val="448C27"/>
+                </a:solidFill>
+                <a:effectLst/>
+                <a:latin typeface="Menlo" panose="020B0609030804020204" pitchFamily="49" charset="0"/>
+              </a:rPr>
+              <a:t>place</a:t>
+            </a:r>
+            <a:r>
+              <a:rPr lang="en-GB" b="0" dirty="0">
+                <a:solidFill>
+                  <a:srgbClr val="777777"/>
+                </a:solidFill>
+                <a:effectLst/>
+                <a:latin typeface="Menlo" panose="020B0609030804020204" pitchFamily="49" charset="0"/>
+              </a:rPr>
+              <a:t>"].</a:t>
+            </a:r>
+            <a:r>
+              <a:rPr lang="en-GB" b="1" dirty="0" err="1">
+                <a:solidFill>
+                  <a:srgbClr val="AA3731"/>
+                </a:solidFill>
+                <a:effectLst/>
+                <a:latin typeface="Menlo" panose="020B0609030804020204" pitchFamily="49" charset="0"/>
+              </a:rPr>
+              <a:t>value_counts</a:t>
+            </a:r>
+            <a:r>
+              <a:rPr lang="en-GB" b="0" dirty="0">
+                <a:solidFill>
+                  <a:srgbClr val="777777"/>
+                </a:solidFill>
+                <a:effectLst/>
+                <a:latin typeface="Menlo" panose="020B0609030804020204" pitchFamily="49" charset="0"/>
+              </a:rPr>
+              <a:t>()[:</a:t>
+            </a:r>
+            <a:r>
+              <a:rPr lang="en-GB" b="0" dirty="0">
+                <a:solidFill>
+                  <a:srgbClr val="9C5D27"/>
+                </a:solidFill>
+                <a:effectLst/>
+                <a:latin typeface="Menlo" panose="020B0609030804020204" pitchFamily="49" charset="0"/>
+              </a:rPr>
+              <a:t>20</a:t>
+            </a:r>
+            <a:r>
+              <a:rPr lang="en-GB" b="0" dirty="0">
+                <a:solidFill>
+                  <a:srgbClr val="777777"/>
+                </a:solidFill>
+                <a:effectLst/>
+                <a:latin typeface="Menlo" panose="020B0609030804020204" pitchFamily="49" charset="0"/>
+              </a:rPr>
+              <a:t>].</a:t>
+            </a:r>
+            <a:r>
+              <a:rPr lang="en-GB" b="1" dirty="0" err="1">
+                <a:solidFill>
+                  <a:srgbClr val="AA3731"/>
+                </a:solidFill>
+                <a:effectLst/>
+                <a:latin typeface="Menlo" panose="020B0609030804020204" pitchFamily="49" charset="0"/>
+              </a:rPr>
+              <a:t>sort_values</a:t>
+            </a:r>
+            <a:r>
+              <a:rPr lang="en-GB" b="0" dirty="0">
+                <a:solidFill>
+                  <a:srgbClr val="777777"/>
+                </a:solidFill>
+                <a:effectLst/>
+                <a:latin typeface="Menlo" panose="020B0609030804020204" pitchFamily="49" charset="0"/>
+              </a:rPr>
+              <a:t>().</a:t>
+            </a:r>
+            <a:r>
+              <a:rPr lang="en-GB" b="0" dirty="0">
+                <a:solidFill>
+                  <a:srgbClr val="7A3E9D"/>
+                </a:solidFill>
+                <a:effectLst/>
+                <a:latin typeface="Menlo" panose="020B0609030804020204" pitchFamily="49" charset="0"/>
+              </a:rPr>
+              <a:t>plot</a:t>
+            </a:r>
+            <a:r>
+              <a:rPr lang="en-GB" b="0" dirty="0">
+                <a:solidFill>
+                  <a:srgbClr val="777777"/>
+                </a:solidFill>
+                <a:effectLst/>
+                <a:latin typeface="Menlo" panose="020B0609030804020204" pitchFamily="49" charset="0"/>
+              </a:rPr>
+              <a:t>(</a:t>
+            </a:r>
+            <a:r>
+              <a:rPr lang="en-GB" b="0" dirty="0">
+                <a:solidFill>
+                  <a:srgbClr val="7A3E9D"/>
+                </a:solidFill>
+                <a:effectLst/>
+                <a:latin typeface="Menlo" panose="020B0609030804020204" pitchFamily="49" charset="0"/>
+              </a:rPr>
+              <a:t>kind</a:t>
+            </a:r>
+            <a:r>
+              <a:rPr lang="en-GB" b="0" dirty="0">
+                <a:solidFill>
+                  <a:srgbClr val="777777"/>
+                </a:solidFill>
+                <a:effectLst/>
+                <a:latin typeface="Menlo" panose="020B0609030804020204" pitchFamily="49" charset="0"/>
+              </a:rPr>
+              <a:t>="</a:t>
+            </a:r>
+            <a:r>
+              <a:rPr lang="en-GB" b="0" dirty="0" err="1">
+                <a:solidFill>
+                  <a:srgbClr val="448C27"/>
+                </a:solidFill>
+                <a:effectLst/>
+                <a:latin typeface="Menlo" panose="020B0609030804020204" pitchFamily="49" charset="0"/>
+              </a:rPr>
+              <a:t>barh</a:t>
+            </a:r>
+            <a:r>
+              <a:rPr lang="en-GB" b="0" dirty="0">
+                <a:solidFill>
+                  <a:srgbClr val="777777"/>
+                </a:solidFill>
+                <a:effectLst/>
+                <a:latin typeface="Menlo" panose="020B0609030804020204" pitchFamily="49" charset="0"/>
+              </a:rPr>
+              <a:t>",</a:t>
+            </a:r>
+            <a:r>
+              <a:rPr lang="en-GB" b="0" dirty="0">
+                <a:solidFill>
+                  <a:srgbClr val="333333"/>
+                </a:solidFill>
+                <a:effectLst/>
+                <a:latin typeface="Menlo" panose="020B0609030804020204" pitchFamily="49" charset="0"/>
+              </a:rPr>
+              <a:t> </a:t>
+            </a:r>
+          </a:p>
+          <a:p>
+            <a:r>
+              <a:rPr lang="en-GB" b="0" dirty="0">
+                <a:solidFill>
+                  <a:srgbClr val="7A3E9D"/>
+                </a:solidFill>
+                <a:effectLst/>
+                <a:latin typeface="Menlo" panose="020B0609030804020204" pitchFamily="49" charset="0"/>
+              </a:rPr>
+              <a:t>title</a:t>
+            </a:r>
+            <a:r>
+              <a:rPr lang="en-GB" b="0" dirty="0">
+                <a:solidFill>
+                  <a:srgbClr val="333333"/>
+                </a:solidFill>
+                <a:effectLst/>
+                <a:latin typeface="Menlo" panose="020B0609030804020204" pitchFamily="49" charset="0"/>
+              </a:rPr>
+              <a:t> </a:t>
+            </a:r>
+            <a:r>
+              <a:rPr lang="en-GB" b="0" dirty="0">
+                <a:solidFill>
+                  <a:srgbClr val="777777"/>
+                </a:solidFill>
+                <a:effectLst/>
+                <a:latin typeface="Menlo" panose="020B0609030804020204" pitchFamily="49" charset="0"/>
+              </a:rPr>
+              <a:t>=</a:t>
+            </a:r>
+            <a:r>
+              <a:rPr lang="en-GB" b="0" dirty="0">
+                <a:solidFill>
+                  <a:srgbClr val="333333"/>
+                </a:solidFill>
+                <a:effectLst/>
+                <a:latin typeface="Menlo" panose="020B0609030804020204" pitchFamily="49" charset="0"/>
+              </a:rPr>
+              <a:t> </a:t>
+            </a:r>
+            <a:r>
+              <a:rPr lang="en-GB" b="0" dirty="0">
+                <a:solidFill>
+                  <a:srgbClr val="777777"/>
+                </a:solidFill>
+                <a:effectLst/>
+                <a:latin typeface="Menlo" panose="020B0609030804020204" pitchFamily="49" charset="0"/>
+              </a:rPr>
+              <a:t>"</a:t>
+            </a:r>
+            <a:r>
+              <a:rPr lang="en-GB" b="0" dirty="0">
+                <a:solidFill>
+                  <a:srgbClr val="448C27"/>
+                </a:solidFill>
+                <a:effectLst/>
+                <a:latin typeface="Menlo" panose="020B0609030804020204" pitchFamily="49" charset="0"/>
+              </a:rPr>
+              <a:t>Earthquake count for the top 20 places with &gt;=4 magnitude earthquakes</a:t>
+            </a:r>
+            <a:r>
+              <a:rPr lang="en-GB" b="0" dirty="0">
+                <a:solidFill>
+                  <a:srgbClr val="777777"/>
+                </a:solidFill>
+                <a:effectLst/>
+                <a:latin typeface="Menlo" panose="020B0609030804020204" pitchFamily="49" charset="0"/>
+              </a:rPr>
+              <a:t>",</a:t>
+            </a:r>
+            <a:r>
+              <a:rPr lang="en-GB" b="0" dirty="0">
+                <a:solidFill>
+                  <a:srgbClr val="333333"/>
+                </a:solidFill>
+                <a:effectLst/>
+                <a:latin typeface="Menlo" panose="020B0609030804020204" pitchFamily="49" charset="0"/>
+              </a:rPr>
+              <a:t> </a:t>
+            </a:r>
+          </a:p>
+          <a:p>
+            <a:r>
+              <a:rPr lang="en-GB" b="0" dirty="0" err="1">
+                <a:solidFill>
+                  <a:srgbClr val="7A3E9D"/>
+                </a:solidFill>
+                <a:effectLst/>
+                <a:latin typeface="Menlo" panose="020B0609030804020204" pitchFamily="49" charset="0"/>
+              </a:rPr>
+              <a:t>color</a:t>
+            </a:r>
+            <a:r>
+              <a:rPr lang="en-GB" b="0" dirty="0">
+                <a:solidFill>
+                  <a:srgbClr val="333333"/>
+                </a:solidFill>
+                <a:effectLst/>
+                <a:latin typeface="Menlo" panose="020B0609030804020204" pitchFamily="49" charset="0"/>
+              </a:rPr>
+              <a:t> </a:t>
+            </a:r>
+            <a:r>
+              <a:rPr lang="en-GB" b="0" dirty="0">
+                <a:solidFill>
+                  <a:srgbClr val="777777"/>
+                </a:solidFill>
+                <a:effectLst/>
+                <a:latin typeface="Menlo" panose="020B0609030804020204" pitchFamily="49" charset="0"/>
+              </a:rPr>
+              <a:t>=</a:t>
+            </a:r>
+            <a:r>
+              <a:rPr lang="en-GB" b="0" dirty="0">
+                <a:solidFill>
+                  <a:srgbClr val="333333"/>
+                </a:solidFill>
+                <a:effectLst/>
+                <a:latin typeface="Menlo" panose="020B0609030804020204" pitchFamily="49" charset="0"/>
+              </a:rPr>
+              <a:t> </a:t>
+            </a:r>
+            <a:r>
+              <a:rPr lang="en-GB" b="0" dirty="0">
+                <a:solidFill>
+                  <a:srgbClr val="777777"/>
+                </a:solidFill>
+                <a:effectLst/>
+                <a:latin typeface="Menlo" panose="020B0609030804020204" pitchFamily="49" charset="0"/>
+              </a:rPr>
+              <a:t>"</a:t>
+            </a:r>
+            <a:r>
+              <a:rPr lang="en-GB" b="0" dirty="0">
+                <a:solidFill>
+                  <a:srgbClr val="448C27"/>
+                </a:solidFill>
+                <a:effectLst/>
+                <a:latin typeface="Menlo" panose="020B0609030804020204" pitchFamily="49" charset="0"/>
+              </a:rPr>
+              <a:t>#7697A0</a:t>
+            </a:r>
+            <a:r>
+              <a:rPr lang="en-GB" b="0" dirty="0">
+                <a:solidFill>
+                  <a:srgbClr val="777777"/>
+                </a:solidFill>
+                <a:effectLst/>
+                <a:latin typeface="Menlo" panose="020B0609030804020204" pitchFamily="49" charset="0"/>
+              </a:rPr>
+              <a:t>",</a:t>
+            </a:r>
+            <a:endParaRPr lang="en-GB" b="0" dirty="0">
+              <a:solidFill>
+                <a:srgbClr val="333333"/>
+              </a:solidFill>
+              <a:effectLst/>
+              <a:latin typeface="Menlo" panose="020B0609030804020204" pitchFamily="49" charset="0"/>
+            </a:endParaRPr>
+          </a:p>
+          <a:p>
+            <a:r>
+              <a:rPr lang="en-GB" b="0" dirty="0" err="1">
+                <a:solidFill>
+                  <a:srgbClr val="7A3E9D"/>
+                </a:solidFill>
+                <a:effectLst/>
+                <a:latin typeface="Menlo" panose="020B0609030804020204" pitchFamily="49" charset="0"/>
+              </a:rPr>
+              <a:t>figsize</a:t>
+            </a:r>
+            <a:r>
+              <a:rPr lang="en-GB" b="0" dirty="0">
+                <a:solidFill>
+                  <a:srgbClr val="333333"/>
+                </a:solidFill>
+                <a:effectLst/>
+                <a:latin typeface="Menlo" panose="020B0609030804020204" pitchFamily="49" charset="0"/>
+              </a:rPr>
+              <a:t> </a:t>
+            </a:r>
+            <a:r>
+              <a:rPr lang="en-GB" b="0" dirty="0">
+                <a:solidFill>
+                  <a:srgbClr val="777777"/>
+                </a:solidFill>
+                <a:effectLst/>
+                <a:latin typeface="Menlo" panose="020B0609030804020204" pitchFamily="49" charset="0"/>
+              </a:rPr>
+              <a:t>=</a:t>
+            </a:r>
+            <a:r>
+              <a:rPr lang="en-GB" b="0" dirty="0">
+                <a:solidFill>
+                  <a:srgbClr val="333333"/>
+                </a:solidFill>
+                <a:effectLst/>
+                <a:latin typeface="Menlo" panose="020B0609030804020204" pitchFamily="49" charset="0"/>
+              </a:rPr>
+              <a:t> </a:t>
+            </a:r>
+            <a:r>
+              <a:rPr lang="en-GB" b="0" dirty="0">
+                <a:solidFill>
+                  <a:srgbClr val="777777"/>
+                </a:solidFill>
+                <a:effectLst/>
+                <a:latin typeface="Menlo" panose="020B0609030804020204" pitchFamily="49" charset="0"/>
+              </a:rPr>
+              <a:t>(</a:t>
+            </a:r>
+            <a:r>
+              <a:rPr lang="en-GB" b="0" dirty="0">
+                <a:solidFill>
+                  <a:srgbClr val="9C5D27"/>
+                </a:solidFill>
+                <a:effectLst/>
+                <a:latin typeface="Menlo" panose="020B0609030804020204" pitchFamily="49" charset="0"/>
+              </a:rPr>
+              <a:t>10</a:t>
+            </a:r>
+            <a:r>
+              <a:rPr lang="en-GB" b="0" dirty="0">
+                <a:solidFill>
+                  <a:srgbClr val="777777"/>
+                </a:solidFill>
+                <a:effectLst/>
+                <a:latin typeface="Menlo" panose="020B0609030804020204" pitchFamily="49" charset="0"/>
+              </a:rPr>
+              <a:t>,</a:t>
+            </a:r>
+            <a:r>
+              <a:rPr lang="en-GB" b="0" dirty="0">
+                <a:solidFill>
+                  <a:srgbClr val="9C5D27"/>
+                </a:solidFill>
+                <a:effectLst/>
+                <a:latin typeface="Menlo" panose="020B0609030804020204" pitchFamily="49" charset="0"/>
+              </a:rPr>
+              <a:t>6</a:t>
+            </a:r>
+            <a:r>
+              <a:rPr lang="en-GB" b="0" dirty="0">
+                <a:solidFill>
+                  <a:srgbClr val="777777"/>
+                </a:solidFill>
+                <a:effectLst/>
+                <a:latin typeface="Menlo" panose="020B0609030804020204" pitchFamily="49" charset="0"/>
+              </a:rPr>
+              <a:t>),</a:t>
+            </a:r>
+            <a:endParaRPr lang="en-GB" b="0" dirty="0">
+              <a:solidFill>
+                <a:srgbClr val="333333"/>
+              </a:solidFill>
+              <a:effectLst/>
+              <a:latin typeface="Menlo" panose="020B0609030804020204" pitchFamily="49" charset="0"/>
+            </a:endParaRPr>
+          </a:p>
+          <a:p>
+            <a:r>
+              <a:rPr lang="en-GB" b="0" dirty="0" err="1">
+                <a:solidFill>
+                  <a:srgbClr val="7A3E9D"/>
+                </a:solidFill>
+                <a:effectLst/>
+                <a:latin typeface="Menlo" panose="020B0609030804020204" pitchFamily="49" charset="0"/>
+              </a:rPr>
+              <a:t>fontsize</a:t>
+            </a:r>
+            <a:r>
+              <a:rPr lang="en-GB" b="0" dirty="0">
+                <a:solidFill>
+                  <a:srgbClr val="777777"/>
+                </a:solidFill>
+                <a:effectLst/>
+                <a:latin typeface="Menlo" panose="020B0609030804020204" pitchFamily="49" charset="0"/>
+              </a:rPr>
+              <a:t>=</a:t>
+            </a:r>
+            <a:r>
+              <a:rPr lang="en-GB" b="0" dirty="0">
+                <a:solidFill>
+                  <a:srgbClr val="333333"/>
+                </a:solidFill>
+                <a:effectLst/>
+                <a:latin typeface="Menlo" panose="020B0609030804020204" pitchFamily="49" charset="0"/>
+              </a:rPr>
+              <a:t> </a:t>
+            </a:r>
+            <a:r>
+              <a:rPr lang="en-GB" b="0" dirty="0">
+                <a:solidFill>
+                  <a:srgbClr val="9C5D27"/>
+                </a:solidFill>
+                <a:effectLst/>
+                <a:latin typeface="Menlo" panose="020B0609030804020204" pitchFamily="49" charset="0"/>
+              </a:rPr>
+              <a:t>10</a:t>
+            </a:r>
+            <a:r>
+              <a:rPr lang="en-GB" b="0" dirty="0">
+                <a:solidFill>
+                  <a:srgbClr val="777777"/>
+                </a:solidFill>
+                <a:effectLst/>
+                <a:latin typeface="Menlo" panose="020B0609030804020204" pitchFamily="49" charset="0"/>
+              </a:rPr>
+              <a:t>)</a:t>
+            </a:r>
+            <a:endParaRPr lang="en-GB" b="0" dirty="0">
+              <a:solidFill>
+                <a:srgbClr val="333333"/>
+              </a:solidFill>
+              <a:effectLst/>
+              <a:latin typeface="Menlo" panose="020B0609030804020204" pitchFamily="49" charset="0"/>
+            </a:endParaRPr>
+          </a:p>
+          <a:p>
+            <a:endParaRPr lang="en-US" dirty="0"/>
+          </a:p>
+        </p:txBody>
+      </p:sp>
+      <p:sp>
+        <p:nvSpPr>
+          <p:cNvPr id="4" name="Slide Number Placeholder 3"/>
+          <p:cNvSpPr>
+            <a:spLocks noGrp="1"/>
+          </p:cNvSpPr>
+          <p:nvPr>
+            <p:ph type="sldNum" sz="quarter" idx="5"/>
+          </p:nvPr>
+        </p:nvSpPr>
+        <p:spPr/>
+        <p:txBody>
+          <a:bodyPr/>
+          <a:lstStyle/>
+          <a:p>
+            <a:fld id="{BFDA06AC-1348-A646-9ED5-5ADF855B5517}" type="slidenum">
+              <a:rPr lang="en-US" smtClean="0"/>
+              <a:t>6</a:t>
+            </a:fld>
+            <a:endParaRPr lang="en-US"/>
+          </a:p>
+        </p:txBody>
+      </p:sp>
+    </p:spTree>
+    <p:extLst>
+      <p:ext uri="{BB962C8B-B14F-4D97-AF65-F5344CB8AC3E}">
+        <p14:creationId xmlns:p14="http://schemas.microsoft.com/office/powerpoint/2010/main" val="3025172701"/>
       </p:ext>
     </p:extLst>
   </p:cSld>
@@ -6480,21 +7209,50 @@
         </p:spPr>
         <p:txBody>
           <a:bodyPr>
-            <a:normAutofit/>
+            <a:normAutofit lnSpcReduction="10000"/>
           </a:bodyPr>
           <a:lstStyle/>
           <a:p>
             <a:r>
-              <a:rPr lang="en-US" sz="1600" dirty="0"/>
-              <a:t>Data provided by USGS (United States Geological Survey) for all earthquakes that have occurred in the last </a:t>
-            </a:r>
-            <a:r>
-              <a:rPr lang="en-US" sz="1600"/>
-              <a:t>30 days </a:t>
-            </a:r>
-          </a:p>
-          <a:p>
-            <a:endParaRPr lang="en-US" sz="1600"/>
+              <a:rPr lang="en-US" sz="2400" dirty="0"/>
+              <a:t>Data provided by USGS (United States Geological Survey) for all earthquakes that have occurred in the last 30 days </a:t>
+            </a:r>
+          </a:p>
+          <a:p>
+            <a:r>
+              <a:rPr lang="en-US" sz="2400" dirty="0"/>
+              <a:t>Imported </a:t>
+            </a:r>
+            <a:r>
+              <a:rPr lang="en-US" sz="2400" dirty="0" err="1"/>
+              <a:t>numpy</a:t>
+            </a:r>
+            <a:r>
+              <a:rPr lang="en-US" sz="2400" dirty="0"/>
+              <a:t>, pandas and matplotlib</a:t>
+            </a:r>
+          </a:p>
+          <a:p>
+            <a:r>
+              <a:rPr lang="en-US" sz="2400" dirty="0"/>
+              <a:t>Worked through understanding the data set and trying to clean </a:t>
+            </a:r>
+          </a:p>
+          <a:p>
+            <a:pPr lvl="1"/>
+            <a:r>
+              <a:rPr lang="en-US" sz="2000" dirty="0"/>
+              <a:t>Grouped by place, magnitude </a:t>
+            </a:r>
+          </a:p>
+          <a:p>
+            <a:r>
+              <a:rPr lang="en-US" sz="2400" dirty="0"/>
+              <a:t>The missing values all in columns not useful for data analysis</a:t>
+            </a:r>
+          </a:p>
+          <a:p>
+            <a:endParaRPr lang="en-US" sz="1600" dirty="0"/>
           </a:p>
         </p:txBody>
       </p:sp>
@@ -6706,6 +7464,926 @@
 </file>
 
 <file path=ppt/slides/slide4.xml><?xml version="1.0" encoding="utf-8"?>
+<p:sld xmlns:a="http://schemas.openxmlformats.org/drawingml/2006/main" xmlns:r="http://schemas.openxmlformats.org/officeDocument/2006/relationships" xmlns:p="http://schemas.openxmlformats.org/presentationml/2006/main">
+  <p:cSld>
+    <p:bg>
+      <p:bgPr>
+        <a:solidFill>
+          <a:schemeClr val="bg1"/>
+        </a:solidFill>
+        <a:effectLst/>
+      </p:bgPr>
+    </p:bg>
+    <p:spTree>
+      <p:nvGrpSpPr>
+        <p:cNvPr id="1" name=""/>
+        <p:cNvGrpSpPr/>
+        <p:nvPr/>
+      </p:nvGrpSpPr>
+      <p:grpSpPr>
+        <a:xfrm>
+          <a:off x="0" y="0"/>
+          <a:ext cx="0" cy="0"/>
+          <a:chOff x="0" y="0"/>
+          <a:chExt cx="0" cy="0"/>
+        </a:xfrm>
+      </p:grpSpPr>
+      <p:pic>
+        <p:nvPicPr>
+          <p:cNvPr id="5" name="Content Placeholder 4" descr="A picture containing text, screenshot, font, plot&#10;&#10;Description automatically generated">
+            <a:extLst>
+              <a:ext uri="{FF2B5EF4-FFF2-40B4-BE49-F238E27FC236}">
+                <a16:creationId xmlns:a16="http://schemas.microsoft.com/office/drawing/2014/main" id="{EFCE97D3-97C2-9A8B-C681-37E55AE58C43}"/>
+              </a:ext>
+            </a:extLst>
+          </p:cNvPr>
+          <p:cNvPicPr>
+            <a:picLocks noChangeAspect="1"/>
+          </p:cNvPicPr>
+          <p:nvPr/>
+        </p:nvPicPr>
+        <p:blipFill>
+          <a:blip r:embed="rId3">
+            <a:extLst>
+              <a:ext uri="{28A0092B-C50C-407E-A947-70E740481C1C}">
+                <a14:useLocalDpi xmlns:a14="http://schemas.microsoft.com/office/drawing/2010/main" val="0"/>
+              </a:ext>
+            </a:extLst>
+          </a:blip>
+          <a:stretch>
+            <a:fillRect/>
+          </a:stretch>
+        </p:blipFill>
+        <p:spPr>
+          <a:xfrm>
+            <a:off x="1" y="1222221"/>
+            <a:ext cx="7865804" cy="5034111"/>
+          </a:xfrm>
+          <a:prstGeom prst="rect">
+            <a:avLst/>
+          </a:prstGeom>
+        </p:spPr>
+      </p:pic>
+      <p:sp>
+        <p:nvSpPr>
+          <p:cNvPr id="9" name="Content Placeholder 8">
+            <a:extLst>
+              <a:ext uri="{FF2B5EF4-FFF2-40B4-BE49-F238E27FC236}">
+                <a16:creationId xmlns:a16="http://schemas.microsoft.com/office/drawing/2014/main" id="{264675B7-4C9F-77DC-B139-814FCC428D79}"/>
+              </a:ext>
+            </a:extLst>
+          </p:cNvPr>
+          <p:cNvSpPr>
+            <a:spLocks noGrp="1"/>
+          </p:cNvSpPr>
+          <p:nvPr>
+            <p:ph idx="1"/>
+          </p:nvPr>
+        </p:nvSpPr>
+        <p:spPr>
+          <a:xfrm>
+            <a:off x="7865805" y="1689608"/>
+            <a:ext cx="3677263" cy="4092579"/>
+          </a:xfrm>
+        </p:spPr>
+        <p:txBody>
+          <a:bodyPr>
+            <a:normAutofit fontScale="92500" lnSpcReduction="10000"/>
+          </a:bodyPr>
+          <a:lstStyle/>
+          <a:p>
+            <a:pPr algn="just"/>
+            <a:r>
+              <a:rPr lang="en-US" sz="2800" dirty="0"/>
+              <a:t>Understanding the earthquake magnitude distribution for the last 30 days. </a:t>
+            </a:r>
+          </a:p>
+          <a:p>
+            <a:pPr algn="just"/>
+            <a:r>
+              <a:rPr lang="en-US" sz="2800" dirty="0"/>
+              <a:t>Has there been a frequency of higher magnitude earthquakes? </a:t>
+            </a:r>
+          </a:p>
+          <a:p>
+            <a:pPr algn="just"/>
+            <a:r>
+              <a:rPr lang="en-US" sz="2800" dirty="0"/>
+              <a:t>Lower magnitude earthquakes?</a:t>
+            </a:r>
+          </a:p>
+        </p:txBody>
+      </p:sp>
+    </p:spTree>
+    <p:extLst>
+      <p:ext uri="{BB962C8B-B14F-4D97-AF65-F5344CB8AC3E}">
+        <p14:creationId xmlns:p14="http://schemas.microsoft.com/office/powerpoint/2010/main" val="1977104141"/>
+      </p:ext>
+    </p:extLst>
+  </p:cSld>
+  <p:clrMapOvr>
+    <a:masterClrMapping/>
+  </p:clrMapOvr>
+</p:sld>
+</file>
+
+<file path=ppt/slides/slide5.xml><?xml version="1.0" encoding="utf-8"?>
+<p:sld xmlns:a="http://schemas.openxmlformats.org/drawingml/2006/main" xmlns:r="http://schemas.openxmlformats.org/officeDocument/2006/relationships" xmlns:p="http://schemas.openxmlformats.org/presentationml/2006/main">
+  <p:cSld>
+    <p:bg>
+      <p:bgPr>
+        <a:solidFill>
+          <a:schemeClr val="bg1"/>
+        </a:solidFill>
+        <a:effectLst/>
+      </p:bgPr>
+    </p:bg>
+    <p:spTree>
+      <p:nvGrpSpPr>
+        <p:cNvPr id="1" name=""/>
+        <p:cNvGrpSpPr/>
+        <p:nvPr/>
+      </p:nvGrpSpPr>
+      <p:grpSpPr>
+        <a:xfrm>
+          <a:off x="0" y="0"/>
+          <a:ext cx="0" cy="0"/>
+          <a:chOff x="0" y="0"/>
+          <a:chExt cx="0" cy="0"/>
+        </a:xfrm>
+      </p:grpSpPr>
+      <p:sp>
+        <p:nvSpPr>
+          <p:cNvPr id="12" name="Rectangle 11">
+            <a:extLst>
+              <a:ext uri="{FF2B5EF4-FFF2-40B4-BE49-F238E27FC236}">
+                <a16:creationId xmlns:a16="http://schemas.microsoft.com/office/drawing/2014/main" id="{F3AF35CD-DA30-4E34-B0F3-32C27766DA05}"/>
+              </a:ext>
+              <a:ext uri="{C183D7F6-B498-43B3-948B-1728B52AA6E4}">
+                <adec:decorative xmlns:adec="http://schemas.microsoft.com/office/drawing/2017/decorative" val="1"/>
+              </a:ext>
+            </a:extLst>
+          </p:cNvPr>
+          <p:cNvSpPr>
+            <a:spLocks noGrp="1" noRot="1" noChangeAspect="1" noMove="1" noResize="1" noEditPoints="1" noAdjustHandles="1" noChangeArrowheads="1" noChangeShapeType="1" noTextEdit="1"/>
+          </p:cNvSpPr>
+          <p:nvPr>
+            <p:extLst>
+              <p:ext uri="{386F3935-93C4-4BCD-93E2-E3B085C9AB24}">
+                <p16:designElem xmlns:p16="http://schemas.microsoft.com/office/powerpoint/2015/main" val="1"/>
+              </p:ext>
+            </p:extLst>
+          </p:nvPr>
+        </p:nvSpPr>
+        <p:spPr>
+          <a:xfrm>
+            <a:off x="7836310" y="0"/>
+            <a:ext cx="4355689" cy="6857999"/>
+          </a:xfrm>
+          <a:prstGeom prst="rect">
+            <a:avLst/>
+          </a:prstGeom>
+          <a:blipFill dpi="0" rotWithShape="1">
+            <a:blip r:embed="rId2">
+              <a:alphaModFix amt="60000"/>
+              <a:lum bright="70000" contrast="-70000"/>
+              <a:extLst>
+                <a:ext uri="{BEBA8EAE-BF5A-486C-A8C5-ECC9F3942E4B}">
+                  <a14:imgProps xmlns:a14="http://schemas.microsoft.com/office/drawing/2010/main">
+                    <a14:imgLayer r:embed="rId3">
+                      <a14:imgEffect>
+                        <a14:sharpenSoften amount="61000"/>
+                      </a14:imgEffect>
+                    </a14:imgLayer>
+                  </a14:imgProps>
+                </a:ext>
+                <a:ext uri="{28A0092B-C50C-407E-A947-70E740481C1C}">
+                  <a14:useLocalDpi xmlns:a14="http://schemas.microsoft.com/office/drawing/2010/main" val="0"/>
+                </a:ext>
+              </a:extLst>
+            </a:blip>
+            <a:srcRect/>
+            <a:tile tx="0" ty="-704850" sx="92000" sy="89000" flip="xy" algn="ctr"/>
+          </a:blipFill>
+          <a:ln>
+            <a:noFill/>
+          </a:ln>
+        </p:spPr>
+        <p:style>
+          <a:lnRef idx="2">
+            <a:schemeClr val="accent1">
+              <a:shade val="50000"/>
+            </a:schemeClr>
+          </a:lnRef>
+          <a:fillRef idx="1">
+            <a:schemeClr val="accent1"/>
+          </a:fillRef>
+          <a:effectRef idx="0">
+            <a:schemeClr val="accent1"/>
+          </a:effectRef>
+          <a:fontRef idx="minor">
+            <a:schemeClr val="lt1"/>
+          </a:fontRef>
+        </p:style>
+        <p:txBody>
+          <a:bodyPr rtlCol="0" anchor="ctr"/>
+          <a:lstStyle/>
+          <a:p>
+            <a:pPr algn="ctr"/>
+            <a:endParaRPr lang="en-US"/>
+          </a:p>
+        </p:txBody>
+      </p:sp>
+      <p:sp>
+        <p:nvSpPr>
+          <p:cNvPr id="2" name="Title 1">
+            <a:extLst>
+              <a:ext uri="{FF2B5EF4-FFF2-40B4-BE49-F238E27FC236}">
+                <a16:creationId xmlns:a16="http://schemas.microsoft.com/office/drawing/2014/main" id="{96921585-1D6B-7E6F-3315-D5989B9B1DFC}"/>
+              </a:ext>
+            </a:extLst>
+          </p:cNvPr>
+          <p:cNvSpPr>
+            <a:spLocks noGrp="1"/>
+          </p:cNvSpPr>
+          <p:nvPr>
+            <p:ph type="title"/>
+          </p:nvPr>
+        </p:nvSpPr>
+        <p:spPr>
+          <a:xfrm>
+            <a:off x="8156350" y="484632"/>
+            <a:ext cx="3544035" cy="1609344"/>
+          </a:xfrm>
+          <a:ln>
+            <a:noFill/>
+          </a:ln>
+        </p:spPr>
+        <p:txBody>
+          <a:bodyPr>
+            <a:normAutofit/>
+          </a:bodyPr>
+          <a:lstStyle/>
+          <a:p>
+            <a:r>
+              <a:rPr lang="en-US" sz="3200" dirty="0"/>
+              <a:t>The depth and magnitude of the earthquakes </a:t>
+            </a:r>
+          </a:p>
+        </p:txBody>
+      </p:sp>
+      <p:pic>
+        <p:nvPicPr>
+          <p:cNvPr id="5" name="Content Placeholder 4" descr="A picture containing screenshot, line, text, diagram&#10;&#10;Description automatically generated">
+            <a:extLst>
+              <a:ext uri="{FF2B5EF4-FFF2-40B4-BE49-F238E27FC236}">
+                <a16:creationId xmlns:a16="http://schemas.microsoft.com/office/drawing/2014/main" id="{FBB0D9FB-6660-580B-60D1-83877B9F5DF5}"/>
+              </a:ext>
+            </a:extLst>
+          </p:cNvPr>
+          <p:cNvPicPr>
+            <a:picLocks noChangeAspect="1"/>
+          </p:cNvPicPr>
+          <p:nvPr/>
+        </p:nvPicPr>
+        <p:blipFill>
+          <a:blip r:embed="rId4">
+            <a:extLst>
+              <a:ext uri="{28A0092B-C50C-407E-A947-70E740481C1C}">
+                <a14:useLocalDpi xmlns:a14="http://schemas.microsoft.com/office/drawing/2010/main" val="0"/>
+              </a:ext>
+            </a:extLst>
+          </a:blip>
+          <a:stretch>
+            <a:fillRect/>
+          </a:stretch>
+        </p:blipFill>
+        <p:spPr>
+          <a:xfrm>
+            <a:off x="0" y="1284648"/>
+            <a:ext cx="7836309" cy="4721374"/>
+          </a:xfrm>
+          <a:prstGeom prst="rect">
+            <a:avLst/>
+          </a:prstGeom>
+        </p:spPr>
+      </p:pic>
+      <p:sp>
+        <p:nvSpPr>
+          <p:cNvPr id="11" name="Content Placeholder 8">
+            <a:extLst>
+              <a:ext uri="{FF2B5EF4-FFF2-40B4-BE49-F238E27FC236}">
+                <a16:creationId xmlns:a16="http://schemas.microsoft.com/office/drawing/2014/main" id="{85BD7A04-1320-CB01-A40C-EB4871FC49EA}"/>
+              </a:ext>
+            </a:extLst>
+          </p:cNvPr>
+          <p:cNvSpPr>
+            <a:spLocks noGrp="1"/>
+          </p:cNvSpPr>
+          <p:nvPr>
+            <p:ph idx="1"/>
+          </p:nvPr>
+        </p:nvSpPr>
+        <p:spPr>
+          <a:xfrm>
+            <a:off x="8156351" y="2121408"/>
+            <a:ext cx="3544034" cy="4050792"/>
+          </a:xfrm>
+        </p:spPr>
+        <p:txBody>
+          <a:bodyPr>
+            <a:normAutofit lnSpcReduction="10000"/>
+          </a:bodyPr>
+          <a:lstStyle/>
+          <a:p>
+            <a:pPr algn="just"/>
+            <a:r>
+              <a:rPr lang="en-US" sz="2800" dirty="0"/>
+              <a:t>Higher depth of the earthquakes with mag &gt;=4</a:t>
+            </a:r>
+          </a:p>
+          <a:p>
+            <a:pPr algn="just"/>
+            <a:r>
+              <a:rPr lang="en-US" sz="2800" dirty="0"/>
+              <a:t>Shallower earthquakes tend to be more damaging </a:t>
+            </a:r>
+          </a:p>
+          <a:p>
+            <a:pPr algn="just"/>
+            <a:r>
+              <a:rPr lang="en-US" sz="2800" dirty="0"/>
+              <a:t>However, deep earthquakes are more widely felt</a:t>
+            </a:r>
+          </a:p>
+          <a:p>
+            <a:endParaRPr lang="en-US" sz="1600" dirty="0"/>
+          </a:p>
+        </p:txBody>
+      </p:sp>
+      <p:grpSp>
+        <p:nvGrpSpPr>
+          <p:cNvPr id="14" name="Group 13">
+            <a:extLst>
+              <a:ext uri="{FF2B5EF4-FFF2-40B4-BE49-F238E27FC236}">
+                <a16:creationId xmlns:a16="http://schemas.microsoft.com/office/drawing/2014/main" id="{BCFC42DC-2C46-47C4-BC61-530557385DBD}"/>
+              </a:ext>
+              <a:ext uri="{C183D7F6-B498-43B3-948B-1728B52AA6E4}">
+                <adec:decorative xmlns:adec="http://schemas.microsoft.com/office/drawing/2017/decorative" val="1"/>
+              </a:ext>
+            </a:extLst>
+          </p:cNvPr>
+          <p:cNvGrpSpPr>
+            <a:grpSpLocks noGrp="1" noUngrp="1" noRot="1" noChangeAspect="1" noMove="1" noResize="1"/>
+          </p:cNvGrpSpPr>
+          <p:nvPr>
+            <p:extLst>
+              <p:ext uri="{386F3935-93C4-4BCD-93E2-E3B085C9AB24}">
+                <p16:designElem xmlns:p16="http://schemas.microsoft.com/office/powerpoint/2015/main" val="1"/>
+              </p:ext>
+            </p:extLst>
+          </p:nvPr>
+        </p:nvGrpSpPr>
+        <p:grpSpPr>
+          <a:xfrm>
+            <a:off x="11401725" y="6229681"/>
+            <a:ext cx="457200" cy="457200"/>
+            <a:chOff x="11361456" y="6195813"/>
+            <a:chExt cx="548640" cy="548640"/>
+          </a:xfrm>
+        </p:grpSpPr>
+        <p:sp>
+          <p:nvSpPr>
+            <p:cNvPr id="15" name="Oval 14">
+              <a:extLst>
+                <a:ext uri="{FF2B5EF4-FFF2-40B4-BE49-F238E27FC236}">
+                  <a16:creationId xmlns:a16="http://schemas.microsoft.com/office/drawing/2014/main" id="{54B91A37-AA1F-4966-8ACF-93023547DA92}"/>
+                </a:ext>
+                <a:ext uri="{C183D7F6-B498-43B3-948B-1728B52AA6E4}">
+                  <adec:decorative xmlns:adec="http://schemas.microsoft.com/office/drawing/2017/decorative" val="1"/>
+                </a:ext>
+              </a:extLst>
+            </p:cNvPr>
+            <p:cNvSpPr/>
+            <p:nvPr>
+              <p:extLst>
+                <p:ext uri="{386F3935-93C4-4BCD-93E2-E3B085C9AB24}">
+                  <p16:designElem xmlns:p16="http://schemas.microsoft.com/office/powerpoint/2015/main" val="1"/>
+                </p:ext>
+              </p:extLst>
+            </p:nvPr>
+          </p:nvSpPr>
+          <p:spPr>
+            <a:xfrm>
+              <a:off x="11361456" y="6195813"/>
+              <a:ext cx="548640" cy="548640"/>
+            </a:xfrm>
+            <a:prstGeom prst="ellipse">
+              <a:avLst/>
+            </a:prstGeom>
+            <a:blipFill dpi="0" rotWithShape="1">
+              <a:blip r:embed="rId5">
+                <a:duotone>
+                  <a:schemeClr val="accent1">
+                    <a:shade val="45000"/>
+                    <a:satMod val="135000"/>
+                  </a:schemeClr>
+                  <a:prstClr val="white"/>
+                </a:duotone>
+              </a:blip>
+              <a:srcRect/>
+              <a:tile tx="50800" ty="0" sx="85000" sy="85000" flip="none" algn="tl"/>
+            </a:blipFill>
+            <a:ln w="25400" cap="flat" cmpd="sng" algn="ctr">
+              <a:noFill/>
+              <a:prstDash val="solid"/>
+            </a:ln>
+            <a:effectLst/>
+          </p:spPr>
+          <p:txBody>
+            <a:bodyPr lIns="0" tIns="0" rIns="0" bIns="0" rtlCol="0" anchor="ctr"/>
+            <a:lstStyle/>
+            <a:p>
+              <a:pPr marL="0" marR="0" lvl="0" indent="0" algn="ctr" defTabSz="914400" eaLnBrk="1" fontAlgn="auto" latinLnBrk="0" hangingPunct="1">
+                <a:lnSpc>
+                  <a:spcPct val="100000"/>
+                </a:lnSpc>
+                <a:spcBef>
+                  <a:spcPts val="0"/>
+                </a:spcBef>
+                <a:spcAft>
+                  <a:spcPts val="0"/>
+                </a:spcAft>
+                <a:buClrTx/>
+                <a:buSzTx/>
+                <a:buFontTx/>
+                <a:buNone/>
+                <a:tabLst/>
+                <a:defRPr/>
+              </a:pPr>
+              <a:endParaRPr kumimoji="0" lang="en-US" sz="2000" b="0" i="0" u="none" strike="noStrike" kern="0" cap="none" spc="0" normalizeH="0" baseline="0" noProof="0" dirty="0">
+                <a:ln>
+                  <a:noFill/>
+                </a:ln>
+                <a:solidFill>
+                  <a:prstClr val="white"/>
+                </a:solidFill>
+                <a:effectLst/>
+                <a:uLnTx/>
+                <a:uFillTx/>
+                <a:latin typeface="Rockwell Extra Bold" pitchFamily="18" charset="0"/>
+                <a:ea typeface="+mn-ea"/>
+                <a:cs typeface="+mn-cs"/>
+              </a:endParaRPr>
+            </a:p>
+          </p:txBody>
+        </p:sp>
+        <p:sp>
+          <p:nvSpPr>
+            <p:cNvPr id="16" name="Oval 15">
+              <a:extLst>
+                <a:ext uri="{FF2B5EF4-FFF2-40B4-BE49-F238E27FC236}">
+                  <a16:creationId xmlns:a16="http://schemas.microsoft.com/office/drawing/2014/main" id="{17B17AC5-0931-432F-9A4A-DDCFAA010ABC}"/>
+                </a:ext>
+                <a:ext uri="{C183D7F6-B498-43B3-948B-1728B52AA6E4}">
+                  <adec:decorative xmlns:adec="http://schemas.microsoft.com/office/drawing/2017/decorative" val="1"/>
+                </a:ext>
+              </a:extLst>
+            </p:cNvPr>
+            <p:cNvSpPr/>
+            <p:nvPr>
+              <p:extLst>
+                <p:ext uri="{386F3935-93C4-4BCD-93E2-E3B085C9AB24}">
+                  <p16:designElem xmlns:p16="http://schemas.microsoft.com/office/powerpoint/2015/main" val="1"/>
+                </p:ext>
+              </p:extLst>
+            </p:nvPr>
+          </p:nvSpPr>
+          <p:spPr>
+            <a:xfrm>
+              <a:off x="11396488" y="6230844"/>
+              <a:ext cx="478576" cy="478578"/>
+            </a:xfrm>
+            <a:prstGeom prst="ellipse">
+              <a:avLst/>
+            </a:prstGeom>
+            <a:noFill/>
+            <a:ln w="12700" cap="flat" cmpd="sng" algn="ctr">
+              <a:solidFill>
+                <a:srgbClr val="FFFFFF"/>
+              </a:solidFill>
+              <a:prstDash val="solid"/>
+            </a:ln>
+            <a:effectLst/>
+          </p:spPr>
+          <p:txBody>
+            <a:bodyPr rtlCol="0" anchor="ctr"/>
+            <a:lstStyle/>
+            <a:p>
+              <a:pPr marL="0" marR="0" lvl="0" indent="0" algn="ctr" defTabSz="914400" eaLnBrk="1" fontAlgn="auto" latinLnBrk="0" hangingPunct="1">
+                <a:lnSpc>
+                  <a:spcPct val="100000"/>
+                </a:lnSpc>
+                <a:spcBef>
+                  <a:spcPts val="0"/>
+                </a:spcBef>
+                <a:spcAft>
+                  <a:spcPts val="0"/>
+                </a:spcAft>
+                <a:buClrTx/>
+                <a:buSzTx/>
+                <a:buFontTx/>
+                <a:buNone/>
+                <a:tabLst/>
+                <a:defRPr/>
+              </a:pPr>
+              <a:endParaRPr kumimoji="0" lang="en-US" sz="1800" b="0" i="0" u="none" strike="noStrike" kern="0" cap="none" spc="0" normalizeH="0" baseline="0" noProof="0" dirty="0">
+                <a:ln>
+                  <a:noFill/>
+                </a:ln>
+                <a:solidFill>
+                  <a:prstClr val="white"/>
+                </a:solidFill>
+                <a:effectLst/>
+                <a:uLnTx/>
+                <a:uFillTx/>
+                <a:latin typeface="Calibri"/>
+                <a:ea typeface="+mn-ea"/>
+                <a:cs typeface="+mn-cs"/>
+              </a:endParaRPr>
+            </a:p>
+          </p:txBody>
+        </p:sp>
+      </p:grpSp>
+    </p:spTree>
+    <p:extLst>
+      <p:ext uri="{BB962C8B-B14F-4D97-AF65-F5344CB8AC3E}">
+        <p14:creationId xmlns:p14="http://schemas.microsoft.com/office/powerpoint/2010/main" val="4104025893"/>
+      </p:ext>
+    </p:extLst>
+  </p:cSld>
+  <p:clrMapOvr>
+    <a:masterClrMapping/>
+  </p:clrMapOvr>
+</p:sld>
+</file>
+
+<file path=ppt/slides/slide6.xml><?xml version="1.0" encoding="utf-8"?>
+<p:sld xmlns:a="http://schemas.openxmlformats.org/drawingml/2006/main" xmlns:r="http://schemas.openxmlformats.org/officeDocument/2006/relationships" xmlns:p="http://schemas.openxmlformats.org/presentationml/2006/main">
+  <p:cSld>
+    <p:spTree>
+      <p:nvGrpSpPr>
+        <p:cNvPr id="1" name=""/>
+        <p:cNvGrpSpPr/>
+        <p:nvPr/>
+      </p:nvGrpSpPr>
+      <p:grpSpPr>
+        <a:xfrm>
+          <a:off x="0" y="0"/>
+          <a:ext cx="0" cy="0"/>
+          <a:chOff x="0" y="0"/>
+          <a:chExt cx="0" cy="0"/>
+        </a:xfrm>
+      </p:grpSpPr>
+      <p:sp>
+        <p:nvSpPr>
+          <p:cNvPr id="2" name="Title 1">
+            <a:extLst>
+              <a:ext uri="{FF2B5EF4-FFF2-40B4-BE49-F238E27FC236}">
+                <a16:creationId xmlns:a16="http://schemas.microsoft.com/office/drawing/2014/main" id="{14D0C5A4-FA84-AE34-9E7A-CA324EE6CFC0}"/>
+              </a:ext>
+            </a:extLst>
+          </p:cNvPr>
+          <p:cNvSpPr>
+            <a:spLocks noGrp="1"/>
+          </p:cNvSpPr>
+          <p:nvPr>
+            <p:ph type="title"/>
+          </p:nvPr>
+        </p:nvSpPr>
+        <p:spPr/>
+        <p:txBody>
+          <a:bodyPr/>
+          <a:lstStyle/>
+          <a:p>
+            <a:pPr algn="ctr"/>
+            <a:r>
+              <a:rPr lang="en-US" dirty="0"/>
+              <a:t>Where do earthquakes of a magnitude of &gt;= 4 occur?</a:t>
+            </a:r>
+          </a:p>
+        </p:txBody>
+      </p:sp>
+      <p:pic>
+        <p:nvPicPr>
+          <p:cNvPr id="5" name="Content Placeholder 4" descr="A picture containing text, screenshot, font, line&#10;&#10;Description automatically generated">
+            <a:extLst>
+              <a:ext uri="{FF2B5EF4-FFF2-40B4-BE49-F238E27FC236}">
+                <a16:creationId xmlns:a16="http://schemas.microsoft.com/office/drawing/2014/main" id="{EA06A700-DA29-35EC-2A6F-1C0407DBE181}"/>
+              </a:ext>
+            </a:extLst>
+          </p:cNvPr>
+          <p:cNvPicPr>
+            <a:picLocks noGrp="1" noChangeAspect="1"/>
+          </p:cNvPicPr>
+          <p:nvPr>
+            <p:ph idx="1"/>
+          </p:nvPr>
+        </p:nvPicPr>
+        <p:blipFill>
+          <a:blip r:embed="rId3">
+            <a:extLst>
+              <a:ext uri="{28A0092B-C50C-407E-A947-70E740481C1C}">
+                <a14:useLocalDpi xmlns:a14="http://schemas.microsoft.com/office/drawing/2010/main" val="0"/>
+              </a:ext>
+            </a:extLst>
+          </a:blip>
+          <a:stretch>
+            <a:fillRect/>
+          </a:stretch>
+        </p:blipFill>
+        <p:spPr>
+          <a:xfrm>
+            <a:off x="1638300" y="2120900"/>
+            <a:ext cx="9270999" cy="4516336"/>
+          </a:xfrm>
+        </p:spPr>
+      </p:pic>
+    </p:spTree>
+    <p:extLst>
+      <p:ext uri="{BB962C8B-B14F-4D97-AF65-F5344CB8AC3E}">
+        <p14:creationId xmlns:p14="http://schemas.microsoft.com/office/powerpoint/2010/main" val="1725872118"/>
+      </p:ext>
+    </p:extLst>
+  </p:cSld>
+  <p:clrMapOvr>
+    <a:masterClrMapping/>
+  </p:clrMapOvr>
+</p:sld>
+</file>
+
+<file path=ppt/slides/slide7.xml><?xml version="1.0" encoding="utf-8"?>
+<p:sld xmlns:a="http://schemas.openxmlformats.org/drawingml/2006/main" xmlns:r="http://schemas.openxmlformats.org/officeDocument/2006/relationships" xmlns:p="http://schemas.openxmlformats.org/presentationml/2006/main">
+  <p:cSld>
+    <p:spTree>
+      <p:nvGrpSpPr>
+        <p:cNvPr id="1" name=""/>
+        <p:cNvGrpSpPr/>
+        <p:nvPr/>
+      </p:nvGrpSpPr>
+      <p:grpSpPr>
+        <a:xfrm>
+          <a:off x="0" y="0"/>
+          <a:ext cx="0" cy="0"/>
+          <a:chOff x="0" y="0"/>
+          <a:chExt cx="0" cy="0"/>
+        </a:xfrm>
+      </p:grpSpPr>
+      <p:sp>
+        <p:nvSpPr>
+          <p:cNvPr id="2" name="Title 1">
+            <a:extLst>
+              <a:ext uri="{FF2B5EF4-FFF2-40B4-BE49-F238E27FC236}">
+                <a16:creationId xmlns:a16="http://schemas.microsoft.com/office/drawing/2014/main" id="{22B255C4-0D7E-262A-D161-DCEA45A22B0B}"/>
+              </a:ext>
+            </a:extLst>
+          </p:cNvPr>
+          <p:cNvSpPr>
+            <a:spLocks noGrp="1"/>
+          </p:cNvSpPr>
+          <p:nvPr>
+            <p:ph type="title"/>
+          </p:nvPr>
+        </p:nvSpPr>
+        <p:spPr/>
+        <p:txBody>
+          <a:bodyPr/>
+          <a:lstStyle/>
+          <a:p>
+            <a:r>
+              <a:rPr lang="en-US" dirty="0"/>
+              <a:t>conclusions</a:t>
+            </a:r>
+          </a:p>
+        </p:txBody>
+      </p:sp>
+      <p:sp>
+        <p:nvSpPr>
+          <p:cNvPr id="3" name="Content Placeholder 2">
+            <a:extLst>
+              <a:ext uri="{FF2B5EF4-FFF2-40B4-BE49-F238E27FC236}">
+                <a16:creationId xmlns:a16="http://schemas.microsoft.com/office/drawing/2014/main" id="{38AAE0B3-1A82-28D0-3DAE-4BDA9EDCDAD0}"/>
+              </a:ext>
+            </a:extLst>
+          </p:cNvPr>
+          <p:cNvSpPr>
+            <a:spLocks noGrp="1"/>
+          </p:cNvSpPr>
+          <p:nvPr>
+            <p:ph idx="1"/>
+          </p:nvPr>
+        </p:nvSpPr>
+        <p:spPr/>
+        <p:txBody>
+          <a:bodyPr/>
+          <a:lstStyle/>
+          <a:p>
+            <a:r>
+              <a:rPr lang="en-US" dirty="0"/>
+              <a:t>Higher magnitude earthquakes occurred south of the Fiji islands</a:t>
+            </a:r>
+          </a:p>
+          <a:p>
+            <a:r>
+              <a:rPr lang="en-US" dirty="0"/>
+              <a:t>Distribution of earthquake magnitudes for the last 30 days is more towards the lower end</a:t>
+            </a:r>
+          </a:p>
+          <a:p>
+            <a:r>
+              <a:rPr lang="en-US" dirty="0"/>
+              <a:t>Higher depth is generally achieved by higher magnitude earthquakes</a:t>
+            </a:r>
+          </a:p>
+          <a:p>
+            <a:endParaRPr lang="en-US" dirty="0"/>
+          </a:p>
+          <a:p>
+            <a:endParaRPr lang="en-US" dirty="0"/>
+          </a:p>
+          <a:p>
+            <a:endParaRPr lang="en-US" dirty="0"/>
+          </a:p>
+          <a:p>
+            <a:endParaRPr lang="en-US" dirty="0"/>
+          </a:p>
+          <a:p>
+            <a:endParaRPr lang="en-US" dirty="0"/>
+          </a:p>
+          <a:p>
+            <a:endParaRPr lang="en-US" dirty="0"/>
+          </a:p>
+          <a:p>
+            <a:endParaRPr lang="en-US" dirty="0"/>
+          </a:p>
+        </p:txBody>
+      </p:sp>
+    </p:spTree>
+    <p:extLst>
+      <p:ext uri="{BB962C8B-B14F-4D97-AF65-F5344CB8AC3E}">
+        <p14:creationId xmlns:p14="http://schemas.microsoft.com/office/powerpoint/2010/main" val="1782886811"/>
+      </p:ext>
+    </p:extLst>
+  </p:cSld>
+  <p:clrMapOvr>
+    <a:masterClrMapping/>
+  </p:clrMapOvr>
+</p:sld>
+</file>
+
+<file path=ppt/slides/slide8.xml><?xml version="1.0" encoding="utf-8"?>
+<p:sld xmlns:a="http://schemas.openxmlformats.org/drawingml/2006/main" xmlns:r="http://schemas.openxmlformats.org/officeDocument/2006/relationships" xmlns:p="http://schemas.openxmlformats.org/presentationml/2006/main">
+  <p:cSld>
+    <p:spTree>
+      <p:nvGrpSpPr>
+        <p:cNvPr id="1" name=""/>
+        <p:cNvGrpSpPr/>
+        <p:nvPr/>
+      </p:nvGrpSpPr>
+      <p:grpSpPr>
+        <a:xfrm>
+          <a:off x="0" y="0"/>
+          <a:ext cx="0" cy="0"/>
+          <a:chOff x="0" y="0"/>
+          <a:chExt cx="0" cy="0"/>
+        </a:xfrm>
+      </p:grpSpPr>
+      <p:sp>
+        <p:nvSpPr>
+          <p:cNvPr id="2" name="Title 1">
+            <a:extLst>
+              <a:ext uri="{FF2B5EF4-FFF2-40B4-BE49-F238E27FC236}">
+                <a16:creationId xmlns:a16="http://schemas.microsoft.com/office/drawing/2014/main" id="{6C1A011B-5B97-F86A-9338-157DFCF3F075}"/>
+              </a:ext>
+            </a:extLst>
+          </p:cNvPr>
+          <p:cNvSpPr>
+            <a:spLocks noGrp="1"/>
+          </p:cNvSpPr>
+          <p:nvPr>
+            <p:ph type="title"/>
+          </p:nvPr>
+        </p:nvSpPr>
+        <p:spPr/>
+        <p:txBody>
+          <a:bodyPr/>
+          <a:lstStyle/>
+          <a:p>
+            <a:r>
+              <a:rPr lang="en-US" dirty="0"/>
+              <a:t>An extra..</a:t>
+            </a:r>
+          </a:p>
+        </p:txBody>
+      </p:sp>
+      <p:sp>
+        <p:nvSpPr>
+          <p:cNvPr id="3" name="Content Placeholder 2">
+            <a:extLst>
+              <a:ext uri="{FF2B5EF4-FFF2-40B4-BE49-F238E27FC236}">
+                <a16:creationId xmlns:a16="http://schemas.microsoft.com/office/drawing/2014/main" id="{D175C878-7B7A-9B53-3FCC-69F0F11B4587}"/>
+              </a:ext>
+            </a:extLst>
+          </p:cNvPr>
+          <p:cNvSpPr>
+            <a:spLocks noGrp="1"/>
+          </p:cNvSpPr>
+          <p:nvPr>
+            <p:ph idx="1"/>
+          </p:nvPr>
+        </p:nvSpPr>
+        <p:spPr/>
+        <p:txBody>
+          <a:bodyPr/>
+          <a:lstStyle/>
+          <a:p>
+            <a:r>
+              <a:rPr lang="en-US" dirty="0"/>
+              <a:t>Could have analysed data over a year to see if more particular months where earthquakes occur </a:t>
+            </a:r>
+          </a:p>
+          <a:p>
+            <a:endParaRPr lang="en-US" dirty="0"/>
+          </a:p>
+          <a:p>
+            <a:r>
+              <a:rPr lang="en-US" dirty="0"/>
+              <a:t>Some issues:</a:t>
+            </a:r>
+          </a:p>
+          <a:p>
+            <a:pPr lvl="1"/>
+            <a:r>
+              <a:rPr lang="en-US" dirty="0"/>
+              <a:t>Would have dropped data not needed </a:t>
+            </a:r>
+          </a:p>
+          <a:p>
+            <a:pPr lvl="1"/>
+            <a:r>
+              <a:rPr lang="en-US" dirty="0"/>
+              <a:t>Replace/fill missing values</a:t>
+            </a:r>
+          </a:p>
+          <a:p>
+            <a:pPr lvl="1"/>
+            <a:r>
+              <a:rPr lang="en-US" dirty="0"/>
+              <a:t>Line graph for earthquake vs time (30 days) </a:t>
+            </a:r>
+          </a:p>
+          <a:p>
+            <a:pPr lvl="1"/>
+            <a:r>
+              <a:rPr lang="en-US" dirty="0"/>
+              <a:t>Box plot </a:t>
+            </a:r>
+            <a:r>
+              <a:rPr lang="en-US"/>
+              <a:t>for magnitude </a:t>
+            </a:r>
+            <a:endParaRPr lang="en-US" dirty="0"/>
+          </a:p>
+          <a:p>
+            <a:pPr lvl="1"/>
+            <a:endParaRPr lang="en-US" dirty="0"/>
+          </a:p>
+          <a:p>
+            <a:pPr lvl="1"/>
+            <a:endParaRPr lang="en-US" dirty="0"/>
+          </a:p>
+          <a:p>
+            <a:pPr marL="274320" lvl="1" indent="0">
+              <a:buNone/>
+            </a:pPr>
+            <a:endParaRPr lang="en-US" dirty="0"/>
+          </a:p>
+        </p:txBody>
+      </p:sp>
+    </p:spTree>
+    <p:extLst>
+      <p:ext uri="{BB962C8B-B14F-4D97-AF65-F5344CB8AC3E}">
+        <p14:creationId xmlns:p14="http://schemas.microsoft.com/office/powerpoint/2010/main" val="2146687786"/>
+      </p:ext>
+    </p:extLst>
+  </p:cSld>
+  <p:clrMapOvr>
+    <a:masterClrMapping/>
+  </p:clrMapOvr>
+</p:sld>
+</file>
+
+<file path=ppt/slides/slide9.xml><?xml version="1.0" encoding="utf-8"?>
 <p:sld xmlns:a="http://schemas.openxmlformats.org/drawingml/2006/main" xmlns:r="http://schemas.openxmlformats.org/officeDocument/2006/relationships" xmlns:p="http://schemas.openxmlformats.org/presentationml/2006/main">
   <p:cSld>
     <p:bg>
